--- a/doc/CourseworkPresentation.pptx
+++ b/doc/CourseworkPresentation.pptx
@@ -141,7 +141,7 @@
   <pc:docChgLst>
     <pc:chgData name="никита могилин" userId="08ce3e31bc9375b9" providerId="LiveId" clId="{F3B2B6B8-7471-4ADA-BD24-63ECFD07BECC}"/>
     <pc:docChg chg="undo custSel addSld delSld modSld sldOrd">
-      <pc:chgData name="никита могилин" userId="08ce3e31bc9375b9" providerId="LiveId" clId="{F3B2B6B8-7471-4ADA-BD24-63ECFD07BECC}" dt="2024-12-10T22:56:05.358" v="4035" actId="20577"/>
+      <pc:chgData name="никита могилин" userId="08ce3e31bc9375b9" providerId="LiveId" clId="{F3B2B6B8-7471-4ADA-BD24-63ECFD07BECC}" dt="2024-12-11T18:25:01.676" v="4063" actId="20577"/>
       <pc:docMkLst>
         <pc:docMk/>
       </pc:docMkLst>
@@ -323,7 +323,7 @@
         </pc:spChg>
       </pc:sldChg>
       <pc:sldChg chg="addSp delSp modSp mod">
-        <pc:chgData name="никита могилин" userId="08ce3e31bc9375b9" providerId="LiveId" clId="{F3B2B6B8-7471-4ADA-BD24-63ECFD07BECC}" dt="2024-12-10T20:00:08.009" v="2656" actId="403"/>
+        <pc:chgData name="никита могилин" userId="08ce3e31bc9375b9" providerId="LiveId" clId="{F3B2B6B8-7471-4ADA-BD24-63ECFD07BECC}" dt="2024-12-11T14:57:13.289" v="4036"/>
         <pc:sldMkLst>
           <pc:docMk/>
           <pc:sldMk cId="0" sldId="263"/>
@@ -337,7 +337,7 @@
           </ac:spMkLst>
         </pc:spChg>
         <pc:spChg chg="mod">
-          <ac:chgData name="никита могилин" userId="08ce3e31bc9375b9" providerId="LiveId" clId="{F3B2B6B8-7471-4ADA-BD24-63ECFD07BECC}" dt="2024-12-10T19:53:50.834" v="2430" actId="6549"/>
+          <ac:chgData name="никита могилин" userId="08ce3e31bc9375b9" providerId="LiveId" clId="{F3B2B6B8-7471-4ADA-BD24-63ECFD07BECC}" dt="2024-12-11T14:57:13.289" v="4036"/>
           <ac:spMkLst>
             <pc:docMk/>
             <pc:sldMk cId="0" sldId="263"/>
@@ -788,7 +788,7 @@
         </pc:spChg>
       </pc:sldChg>
       <pc:sldChg chg="addSp modSp new mod ord modClrScheme chgLayout">
-        <pc:chgData name="никита могилин" userId="08ce3e31bc9375b9" providerId="LiveId" clId="{F3B2B6B8-7471-4ADA-BD24-63ECFD07BECC}" dt="2024-12-10T07:50:38.941" v="1924" actId="20577"/>
+        <pc:chgData name="никита могилин" userId="08ce3e31bc9375b9" providerId="LiveId" clId="{F3B2B6B8-7471-4ADA-BD24-63ECFD07BECC}" dt="2024-12-11T18:25:01.676" v="4063" actId="20577"/>
         <pc:sldMkLst>
           <pc:docMk/>
           <pc:sldMk cId="48478796" sldId="279"/>
@@ -818,7 +818,7 @@
           </ac:spMkLst>
         </pc:spChg>
         <pc:spChg chg="add mod">
-          <ac:chgData name="никита могилин" userId="08ce3e31bc9375b9" providerId="LiveId" clId="{F3B2B6B8-7471-4ADA-BD24-63ECFD07BECC}" dt="2024-12-10T07:50:38.941" v="1924" actId="20577"/>
+          <ac:chgData name="никита могилин" userId="08ce3e31bc9375b9" providerId="LiveId" clId="{F3B2B6B8-7471-4ADA-BD24-63ECFD07BECC}" dt="2024-12-11T18:25:01.676" v="4063" actId="20577"/>
           <ac:spMkLst>
             <pc:docMk/>
             <pc:sldMk cId="48478796" sldId="279"/>
@@ -826,7 +826,7 @@
           </ac:spMkLst>
         </pc:spChg>
         <pc:graphicFrameChg chg="add mod modGraphic">
-          <ac:chgData name="никита могилин" userId="08ce3e31bc9375b9" providerId="LiveId" clId="{F3B2B6B8-7471-4ADA-BD24-63ECFD07BECC}" dt="2024-12-10T07:50:22.262" v="1858"/>
+          <ac:chgData name="никита могилин" userId="08ce3e31bc9375b9" providerId="LiveId" clId="{F3B2B6B8-7471-4ADA-BD24-63ECFD07BECC}" dt="2024-12-11T17:46:54.489" v="4041"/>
           <ac:graphicFrameMkLst>
             <pc:docMk/>
             <pc:sldMk cId="48478796" sldId="279"/>
@@ -7599,7 +7599,7 @@
                 <a:ea typeface="Times New Roman" panose="02020603050405020304" pitchFamily="18" charset="0"/>
                 <a:cs typeface="Times New Roman" panose="02020603050405020304" pitchFamily="18" charset="0"/>
               </a:rPr>
-              <a:t>В качестве метрики, используемой при тестировании программного обеспечения, было выбрано покрытие строк кода. Реализованный набор модульных тестов имеет покрытие, равное 23%.</a:t>
+              <a:t>В качестве метрики, используемой для оценки полноты тестирования программного обеспечения, было выбрано покрытие строк кода. Реализованный набор модульных тестов имеет покрытие, равное 23%.</a:t>
             </a:r>
             <a:endParaRPr lang="ru-RU" sz="1800" dirty="0">
               <a:effectLst/>
@@ -9919,7 +9919,7 @@
               <a:t>проанализировать существующие модели представления объектов</a:t>
             </a:r>
             <a:r>
-              <a:rPr lang="en-US" sz="1700">
+              <a:rPr lang="en-US" sz="1700" dirty="0">
                 <a:latin typeface="Times New Roman" panose="02020603050405020304" pitchFamily="18" charset="0"/>
                 <a:cs typeface="Times New Roman" panose="02020603050405020304" pitchFamily="18" charset="0"/>
               </a:rPr>
@@ -10295,7 +10295,7 @@
               <p:nvPr>
                 <p:extLst>
                   <p:ext uri="{D42A27DB-BD31-4B8C-83A1-F6EECF244321}">
-                    <p14:modId xmlns:p14="http://schemas.microsoft.com/office/powerpoint/2010/main" val="725306895"/>
+                    <p14:modId xmlns:p14="http://schemas.microsoft.com/office/powerpoint/2010/main" val="1225582733"/>
                   </p:ext>
                 </p:extLst>
               </p:nvPr>
@@ -10509,11 +10509,15 @@
                               </m:oMathParaPr>
                               <m:oMath xmlns:m="http://schemas.openxmlformats.org/officeDocument/2006/math">
                                 <m:r>
-                                  <a:rPr lang="en-US" b="0" smtClean="0"/>
+                                  <a:rPr lang="en-US" b="0" smtClean="0">
+                                    <a:latin typeface="Cambria Math" panose="02040503050406030204" pitchFamily="18" charset="0"/>
+                                  </a:rPr>
                                   <m:t>𝑂</m:t>
                                 </m:r>
                                 <m:r>
-                                  <a:rPr lang="en-US" b="0" smtClean="0"/>
+                                  <a:rPr lang="en-US" b="0" smtClean="0">
+                                    <a:latin typeface="Cambria Math" panose="02040503050406030204" pitchFamily="18" charset="0"/>
+                                  </a:rPr>
                                   <m:t>(1)</m:t>
                                 </m:r>
                               </m:oMath>
@@ -10560,19 +10564,27 @@
                               </m:oMathParaPr>
                               <m:oMath xmlns:m="http://schemas.openxmlformats.org/officeDocument/2006/math">
                                 <m:r>
-                                  <a:rPr lang="en-US" b="0" smtClean="0"/>
+                                  <a:rPr lang="en-US" b="0" smtClean="0">
+                                    <a:latin typeface="Cambria Math" panose="02040503050406030204" pitchFamily="18" charset="0"/>
+                                  </a:rPr>
                                   <m:t>𝑂</m:t>
                                 </m:r>
                                 <m:r>
-                                  <a:rPr lang="en-US" b="0" smtClean="0"/>
+                                  <a:rPr lang="en-US" b="0" smtClean="0">
+                                    <a:latin typeface="Cambria Math" panose="02040503050406030204" pitchFamily="18" charset="0"/>
+                                  </a:rPr>
                                   <m:t>(</m:t>
                                 </m:r>
                                 <m:r>
-                                  <a:rPr lang="en-US" b="0" smtClean="0"/>
+                                  <a:rPr lang="en-US" b="0" smtClean="0">
+                                    <a:latin typeface="Cambria Math" panose="02040503050406030204" pitchFamily="18" charset="0"/>
+                                  </a:rPr>
                                   <m:t>𝑁</m:t>
                                 </m:r>
                                 <m:r>
-                                  <a:rPr lang="en-US" b="0" smtClean="0"/>
+                                  <a:rPr lang="en-US" b="0" smtClean="0">
+                                    <a:latin typeface="Cambria Math" panose="02040503050406030204" pitchFamily="18" charset="0"/>
+                                  </a:rPr>
                                   <m:t>)</m:t>
                                 </m:r>
                               </m:oMath>
@@ -10589,58 +10601,6 @@
                           </a:schemeClr>
                         </a:solidFill>
                       </a:tcPr>
-                    </a:tc>
-                    <a:tc>
-                      <a:txBody>
-                        <a:bodyPr/>
-                        <a:lstStyle/>
-                        <a:p>
-                          <a:pPr marL="0" marR="0" lvl="0" indent="0" algn="ctr" defTabSz="914400" rtl="0" eaLnBrk="1" fontAlgn="auto" latinLnBrk="0" hangingPunct="1">
-                            <a:lnSpc>
-                              <a:spcPct val="100000"/>
-                            </a:lnSpc>
-                            <a:spcBef>
-                              <a:spcPts val="0"/>
-                            </a:spcBef>
-                            <a:spcAft>
-                              <a:spcPts val="0"/>
-                            </a:spcAft>
-                            <a:buClrTx/>
-                            <a:buSzTx/>
-                            <a:buFontTx/>
-                            <a:buNone/>
-                            <a:tabLst/>
-                            <a:defRPr/>
-                          </a:pPr>
-                          <a14:m>
-                            <m:oMathPara xmlns:m="http://schemas.openxmlformats.org/officeDocument/2006/math">
-                              <m:oMathParaPr>
-                                <m:jc m:val="centerGroup"/>
-                              </m:oMathParaPr>
-                              <m:oMath xmlns:m="http://schemas.openxmlformats.org/officeDocument/2006/math">
-                                <m:r>
-                                  <a:rPr lang="en-US" b="0" smtClean="0"/>
-                                  <m:t>𝑂</m:t>
-                                </m:r>
-                                <m:r>
-                                  <a:rPr lang="en-US" b="0" smtClean="0"/>
-                                  <m:t>(</m:t>
-                                </m:r>
-                                <m:r>
-                                  <a:rPr lang="en-US" b="0" smtClean="0"/>
-                                  <m:t>𝑉</m:t>
-                                </m:r>
-                                <m:r>
-                                  <a:rPr lang="en-US" b="0" smtClean="0"/>
-                                  <m:t>)</m:t>
-                                </m:r>
-                              </m:oMath>
-                            </m:oMathPara>
-                          </a14:m>
-                          <a:endParaRPr lang="en-US" dirty="0"/>
-                        </a:p>
-                      </a:txBody>
-                      <a:tcPr/>
                     </a:tc>
                     <a:tc>
                       <a:txBody>
@@ -10690,6 +10650,66 @@
                                 </m:r>
                                 <m:r>
                                   <a:rPr lang="en-US" b="0" smtClean="0">
+                                    <a:latin typeface="Cambria Math" panose="02040503050406030204" pitchFamily="18" charset="0"/>
+                                  </a:rPr>
+                                  <m:t>)</m:t>
+                                </m:r>
+                              </m:oMath>
+                            </m:oMathPara>
+                          </a14:m>
+                          <a:endParaRPr lang="en-US" dirty="0"/>
+                        </a:p>
+                      </a:txBody>
+                      <a:tcPr/>
+                    </a:tc>
+                    <a:tc>
+                      <a:txBody>
+                        <a:bodyPr/>
+                        <a:lstStyle/>
+                        <a:p>
+                          <a:pPr marL="0" marR="0" lvl="0" indent="0" algn="ctr" defTabSz="914400" rtl="0" eaLnBrk="1" fontAlgn="auto" latinLnBrk="0" hangingPunct="1">
+                            <a:lnSpc>
+                              <a:spcPct val="100000"/>
+                            </a:lnSpc>
+                            <a:spcBef>
+                              <a:spcPts val="0"/>
+                            </a:spcBef>
+                            <a:spcAft>
+                              <a:spcPts val="0"/>
+                            </a:spcAft>
+                            <a:buClrTx/>
+                            <a:buSzTx/>
+                            <a:buFontTx/>
+                            <a:buNone/>
+                            <a:tabLst/>
+                            <a:defRPr/>
+                          </a:pPr>
+                          <a14:m>
+                            <m:oMathPara xmlns:m="http://schemas.openxmlformats.org/officeDocument/2006/math">
+                              <m:oMathParaPr>
+                                <m:jc m:val="centerGroup"/>
+                              </m:oMathParaPr>
+                              <m:oMath xmlns:m="http://schemas.openxmlformats.org/officeDocument/2006/math">
+                                <m:r>
+                                  <a:rPr lang="en-US" b="0" i="1" smtClean="0">
+                                    <a:latin typeface="Cambria Math" panose="02040503050406030204" pitchFamily="18" charset="0"/>
+                                  </a:rPr>
+                                  <m:t>𝑂</m:t>
+                                </m:r>
+                                <m:r>
+                                  <a:rPr lang="en-US" b="0" i="1" smtClean="0">
+                                    <a:latin typeface="Cambria Math" panose="02040503050406030204" pitchFamily="18" charset="0"/>
+                                  </a:rPr>
+                                  <m:t>(</m:t>
+                                </m:r>
+                                <m:r>
+                                  <a:rPr lang="en-US" b="0" i="1" smtClean="0">
+                                    <a:latin typeface="Cambria Math" panose="02040503050406030204" pitchFamily="18" charset="0"/>
+                                  </a:rPr>
+                                  <m:t>𝐾</m:t>
+                                </m:r>
+                                <m:r>
+                                  <a:rPr lang="en-US" b="0" i="1" smtClean="0">
                                     <a:latin typeface="Cambria Math" panose="02040503050406030204" pitchFamily="18" charset="0"/>
                                   </a:rPr>
                                   <m:t>)</m:t>
@@ -10812,11 +10832,15 @@
                               </m:oMathParaPr>
                               <m:oMath xmlns:m="http://schemas.openxmlformats.org/officeDocument/2006/math">
                                 <m:r>
-                                  <a:rPr lang="en-US" b="0" smtClean="0"/>
+                                  <a:rPr lang="en-US" b="0" smtClean="0">
+                                    <a:latin typeface="Cambria Math" panose="02040503050406030204" pitchFamily="18" charset="0"/>
+                                  </a:rPr>
                                   <m:t>𝑂</m:t>
                                 </m:r>
                                 <m:r>
-                                  <a:rPr lang="en-US" b="0" smtClean="0"/>
+                                  <a:rPr lang="en-US" b="0" smtClean="0">
+                                    <a:latin typeface="Cambria Math" panose="02040503050406030204" pitchFamily="18" charset="0"/>
+                                  </a:rPr>
                                   <m:t>(1)</m:t>
                                 </m:r>
                               </m:oMath>
@@ -10863,19 +10887,27 @@
                               </m:oMathParaPr>
                               <m:oMath xmlns:m="http://schemas.openxmlformats.org/officeDocument/2006/math">
                                 <m:r>
-                                  <a:rPr lang="en-US" b="0" smtClean="0"/>
+                                  <a:rPr lang="en-US" b="0" smtClean="0">
+                                    <a:latin typeface="Cambria Math" panose="02040503050406030204" pitchFamily="18" charset="0"/>
+                                  </a:rPr>
                                   <m:t>𝑂</m:t>
                                 </m:r>
                                 <m:r>
-                                  <a:rPr lang="en-US" b="0" smtClean="0"/>
+                                  <a:rPr lang="en-US" b="0" smtClean="0">
+                                    <a:latin typeface="Cambria Math" panose="02040503050406030204" pitchFamily="18" charset="0"/>
+                                  </a:rPr>
                                   <m:t>(</m:t>
                                 </m:r>
                                 <m:r>
-                                  <a:rPr lang="en-US" b="0" smtClean="0"/>
+                                  <a:rPr lang="en-US" b="0" smtClean="0">
+                                    <a:latin typeface="Cambria Math" panose="02040503050406030204" pitchFamily="18" charset="0"/>
+                                  </a:rPr>
                                   <m:t>𝑁</m:t>
                                 </m:r>
                                 <m:r>
-                                  <a:rPr lang="en-US" b="0" smtClean="0"/>
+                                  <a:rPr lang="en-US" b="0" smtClean="0">
+                                    <a:latin typeface="Cambria Math" panose="02040503050406030204" pitchFamily="18" charset="0"/>
+                                  </a:rPr>
                                   <m:t>)</m:t>
                                 </m:r>
                               </m:oMath>
@@ -10892,58 +10924,6 @@
                           </a:schemeClr>
                         </a:solidFill>
                       </a:tcPr>
-                    </a:tc>
-                    <a:tc>
-                      <a:txBody>
-                        <a:bodyPr/>
-                        <a:lstStyle/>
-                        <a:p>
-                          <a:pPr marL="0" marR="0" lvl="0" indent="0" algn="ctr" defTabSz="914400" rtl="0" eaLnBrk="1" fontAlgn="auto" latinLnBrk="0" hangingPunct="1">
-                            <a:lnSpc>
-                              <a:spcPct val="100000"/>
-                            </a:lnSpc>
-                            <a:spcBef>
-                              <a:spcPts val="0"/>
-                            </a:spcBef>
-                            <a:spcAft>
-                              <a:spcPts val="0"/>
-                            </a:spcAft>
-                            <a:buClrTx/>
-                            <a:buSzTx/>
-                            <a:buFontTx/>
-                            <a:buNone/>
-                            <a:tabLst/>
-                            <a:defRPr/>
-                          </a:pPr>
-                          <a14:m>
-                            <m:oMathPara xmlns:m="http://schemas.openxmlformats.org/officeDocument/2006/math">
-                              <m:oMathParaPr>
-                                <m:jc m:val="centerGroup"/>
-                              </m:oMathParaPr>
-                              <m:oMath xmlns:m="http://schemas.openxmlformats.org/officeDocument/2006/math">
-                                <m:r>
-                                  <a:rPr lang="en-US" b="0" smtClean="0"/>
-                                  <m:t>𝑂</m:t>
-                                </m:r>
-                                <m:r>
-                                  <a:rPr lang="en-US" b="0" smtClean="0"/>
-                                  <m:t>(</m:t>
-                                </m:r>
-                                <m:r>
-                                  <a:rPr lang="en-US" b="0" smtClean="0"/>
-                                  <m:t>𝑉</m:t>
-                                </m:r>
-                                <m:r>
-                                  <a:rPr lang="en-US" b="0" smtClean="0"/>
-                                  <m:t>)</m:t>
-                                </m:r>
-                              </m:oMath>
-                            </m:oMathPara>
-                          </a14:m>
-                          <a:endParaRPr lang="en-US" dirty="0"/>
-                        </a:p>
-                      </a:txBody>
-                      <a:tcPr/>
                     </a:tc>
                     <a:tc>
                       <a:txBody>
@@ -10992,7 +10972,67 @@
                                   <m:t>𝑉</m:t>
                                 </m:r>
                                 <m:r>
-                                  <a:rPr lang="en-US" b="0" i="0" smtClean="0">
+                                  <a:rPr lang="en-US" b="0" smtClean="0">
+                                    <a:latin typeface="Cambria Math" panose="02040503050406030204" pitchFamily="18" charset="0"/>
+                                  </a:rPr>
+                                  <m:t>)</m:t>
+                                </m:r>
+                              </m:oMath>
+                            </m:oMathPara>
+                          </a14:m>
+                          <a:endParaRPr lang="en-US" dirty="0"/>
+                        </a:p>
+                      </a:txBody>
+                      <a:tcPr/>
+                    </a:tc>
+                    <a:tc>
+                      <a:txBody>
+                        <a:bodyPr/>
+                        <a:lstStyle/>
+                        <a:p>
+                          <a:pPr marL="0" marR="0" lvl="0" indent="0" algn="ctr" defTabSz="914400" rtl="0" eaLnBrk="1" fontAlgn="auto" latinLnBrk="0" hangingPunct="1">
+                            <a:lnSpc>
+                              <a:spcPct val="100000"/>
+                            </a:lnSpc>
+                            <a:spcBef>
+                              <a:spcPts val="0"/>
+                            </a:spcBef>
+                            <a:spcAft>
+                              <a:spcPts val="0"/>
+                            </a:spcAft>
+                            <a:buClrTx/>
+                            <a:buSzTx/>
+                            <a:buFontTx/>
+                            <a:buNone/>
+                            <a:tabLst/>
+                            <a:defRPr/>
+                          </a:pPr>
+                          <a14:m>
+                            <m:oMathPara xmlns:m="http://schemas.openxmlformats.org/officeDocument/2006/math">
+                              <m:oMathParaPr>
+                                <m:jc m:val="centerGroup"/>
+                              </m:oMathParaPr>
+                              <m:oMath xmlns:m="http://schemas.openxmlformats.org/officeDocument/2006/math">
+                                <m:r>
+                                  <a:rPr lang="en-US" b="0" i="1" smtClean="0">
+                                    <a:latin typeface="Cambria Math" panose="02040503050406030204" pitchFamily="18" charset="0"/>
+                                  </a:rPr>
+                                  <m:t>𝑂</m:t>
+                                </m:r>
+                                <m:r>
+                                  <a:rPr lang="en-US" b="0" i="1" smtClean="0">
+                                    <a:latin typeface="Cambria Math" panose="02040503050406030204" pitchFamily="18" charset="0"/>
+                                  </a:rPr>
+                                  <m:t>(</m:t>
+                                </m:r>
+                                <m:r>
+                                  <a:rPr lang="en-US" b="0" i="1" smtClean="0">
+                                    <a:latin typeface="Cambria Math" panose="02040503050406030204" pitchFamily="18" charset="0"/>
+                                  </a:rPr>
+                                  <m:t>𝐾</m:t>
+                                </m:r>
+                                <m:r>
+                                  <a:rPr lang="en-US" b="0" i="1" smtClean="0">
                                     <a:latin typeface="Cambria Math" panose="02040503050406030204" pitchFamily="18" charset="0"/>
                                   </a:rPr>
                                   <m:t>)</m:t>
@@ -11099,11 +11139,15 @@
                               </m:oMathParaPr>
                               <m:oMath xmlns:m="http://schemas.openxmlformats.org/officeDocument/2006/math">
                                 <m:r>
-                                  <a:rPr lang="en-US" b="0" smtClean="0"/>
+                                  <a:rPr lang="en-US" b="0" smtClean="0">
+                                    <a:latin typeface="Cambria Math" panose="02040503050406030204" pitchFamily="18" charset="0"/>
+                                  </a:rPr>
                                   <m:t>𝑂</m:t>
                                 </m:r>
                                 <m:r>
-                                  <a:rPr lang="en-US" b="0" smtClean="0"/>
+                                  <a:rPr lang="en-US" b="0" smtClean="0">
+                                    <a:latin typeface="Cambria Math" panose="02040503050406030204" pitchFamily="18" charset="0"/>
+                                  </a:rPr>
                                   <m:t>(1)</m:t>
                                 </m:r>
                               </m:oMath>
@@ -11150,19 +11194,27 @@
                               </m:oMathParaPr>
                               <m:oMath xmlns:m="http://schemas.openxmlformats.org/officeDocument/2006/math">
                                 <m:r>
-                                  <a:rPr lang="en-US" b="0" smtClean="0"/>
+                                  <a:rPr lang="en-US" b="0" smtClean="0">
+                                    <a:latin typeface="Cambria Math" panose="02040503050406030204" pitchFamily="18" charset="0"/>
+                                  </a:rPr>
                                   <m:t>𝑂</m:t>
                                 </m:r>
                                 <m:r>
-                                  <a:rPr lang="en-US" b="0" smtClean="0"/>
+                                  <a:rPr lang="en-US" b="0" smtClean="0">
+                                    <a:latin typeface="Cambria Math" panose="02040503050406030204" pitchFamily="18" charset="0"/>
+                                  </a:rPr>
                                   <m:t>(</m:t>
                                 </m:r>
                                 <m:r>
-                                  <a:rPr lang="en-US" b="0" smtClean="0"/>
+                                  <a:rPr lang="en-US" b="0" smtClean="0">
+                                    <a:latin typeface="Cambria Math" panose="02040503050406030204" pitchFamily="18" charset="0"/>
+                                  </a:rPr>
                                   <m:t>𝑁</m:t>
                                 </m:r>
                                 <m:r>
-                                  <a:rPr lang="en-US" b="0" smtClean="0"/>
+                                  <a:rPr lang="en-US" b="0" smtClean="0">
+                                    <a:latin typeface="Cambria Math" panose="02040503050406030204" pitchFamily="18" charset="0"/>
+                                  </a:rPr>
                                   <m:t>)</m:t>
                                 </m:r>
                               </m:oMath>
@@ -11179,58 +11231,6 @@
                           </a:schemeClr>
                         </a:solidFill>
                       </a:tcPr>
-                    </a:tc>
-                    <a:tc>
-                      <a:txBody>
-                        <a:bodyPr/>
-                        <a:lstStyle/>
-                        <a:p>
-                          <a:pPr marL="0" marR="0" lvl="0" indent="0" algn="ctr" defTabSz="914400" rtl="0" eaLnBrk="1" fontAlgn="auto" latinLnBrk="0" hangingPunct="1">
-                            <a:lnSpc>
-                              <a:spcPct val="100000"/>
-                            </a:lnSpc>
-                            <a:spcBef>
-                              <a:spcPts val="0"/>
-                            </a:spcBef>
-                            <a:spcAft>
-                              <a:spcPts val="0"/>
-                            </a:spcAft>
-                            <a:buClrTx/>
-                            <a:buSzTx/>
-                            <a:buFontTx/>
-                            <a:buNone/>
-                            <a:tabLst/>
-                            <a:defRPr/>
-                          </a:pPr>
-                          <a14:m>
-                            <m:oMathPara xmlns:m="http://schemas.openxmlformats.org/officeDocument/2006/math">
-                              <m:oMathParaPr>
-                                <m:jc m:val="centerGroup"/>
-                              </m:oMathParaPr>
-                              <m:oMath xmlns:m="http://schemas.openxmlformats.org/officeDocument/2006/math">
-                                <m:r>
-                                  <a:rPr lang="en-US" b="0" smtClean="0"/>
-                                  <m:t>𝑂</m:t>
-                                </m:r>
-                                <m:r>
-                                  <a:rPr lang="en-US" b="0" smtClean="0"/>
-                                  <m:t>(</m:t>
-                                </m:r>
-                                <m:r>
-                                  <a:rPr lang="en-US" b="0" smtClean="0"/>
-                                  <m:t>𝑉</m:t>
-                                </m:r>
-                                <m:r>
-                                  <a:rPr lang="en-US" b="0" smtClean="0"/>
-                                  <m:t>)</m:t>
-                                </m:r>
-                              </m:oMath>
-                            </m:oMathPara>
-                          </a14:m>
-                          <a:endParaRPr lang="en-US" dirty="0"/>
-                        </a:p>
-                      </a:txBody>
-                      <a:tcPr/>
                     </a:tc>
                     <a:tc>
                       <a:txBody>
@@ -11280,6 +11280,66 @@
                                 </m:r>
                                 <m:r>
                                   <a:rPr lang="en-US" b="0" smtClean="0">
+                                    <a:latin typeface="Cambria Math" panose="02040503050406030204" pitchFamily="18" charset="0"/>
+                                  </a:rPr>
+                                  <m:t>)</m:t>
+                                </m:r>
+                              </m:oMath>
+                            </m:oMathPara>
+                          </a14:m>
+                          <a:endParaRPr lang="en-US" dirty="0"/>
+                        </a:p>
+                      </a:txBody>
+                      <a:tcPr/>
+                    </a:tc>
+                    <a:tc>
+                      <a:txBody>
+                        <a:bodyPr/>
+                        <a:lstStyle/>
+                        <a:p>
+                          <a:pPr marL="0" marR="0" lvl="0" indent="0" algn="ctr" defTabSz="914400" rtl="0" eaLnBrk="1" fontAlgn="auto" latinLnBrk="0" hangingPunct="1">
+                            <a:lnSpc>
+                              <a:spcPct val="100000"/>
+                            </a:lnSpc>
+                            <a:spcBef>
+                              <a:spcPts val="0"/>
+                            </a:spcBef>
+                            <a:spcAft>
+                              <a:spcPts val="0"/>
+                            </a:spcAft>
+                            <a:buClrTx/>
+                            <a:buSzTx/>
+                            <a:buFontTx/>
+                            <a:buNone/>
+                            <a:tabLst/>
+                            <a:defRPr/>
+                          </a:pPr>
+                          <a14:m>
+                            <m:oMathPara xmlns:m="http://schemas.openxmlformats.org/officeDocument/2006/math">
+                              <m:oMathParaPr>
+                                <m:jc m:val="centerGroup"/>
+                              </m:oMathParaPr>
+                              <m:oMath xmlns:m="http://schemas.openxmlformats.org/officeDocument/2006/math">
+                                <m:r>
+                                  <a:rPr lang="en-US" b="0" i="1" smtClean="0">
+                                    <a:latin typeface="Cambria Math" panose="02040503050406030204" pitchFamily="18" charset="0"/>
+                                  </a:rPr>
+                                  <m:t>𝑂</m:t>
+                                </m:r>
+                                <m:r>
+                                  <a:rPr lang="en-US" b="0" i="1" smtClean="0">
+                                    <a:latin typeface="Cambria Math" panose="02040503050406030204" pitchFamily="18" charset="0"/>
+                                  </a:rPr>
+                                  <m:t>(</m:t>
+                                </m:r>
+                                <m:r>
+                                  <a:rPr lang="en-US" b="0" i="1" smtClean="0">
+                                    <a:latin typeface="Cambria Math" panose="02040503050406030204" pitchFamily="18" charset="0"/>
+                                  </a:rPr>
+                                  <m:t>𝐾</m:t>
+                                </m:r>
+                                <m:r>
+                                  <a:rPr lang="en-US" b="0" i="1" smtClean="0">
                                     <a:latin typeface="Cambria Math" panose="02040503050406030204" pitchFamily="18" charset="0"/>
                                   </a:rPr>
                                   <m:t>)</m:t>
@@ -11599,7 +11659,7 @@
               <p:nvPr>
                 <p:extLst>
                   <p:ext uri="{D42A27DB-BD31-4B8C-83A1-F6EECF244321}">
-                    <p14:modId xmlns:p14="http://schemas.microsoft.com/office/powerpoint/2010/main" val="725306895"/>
+                    <p14:modId xmlns:p14="http://schemas.microsoft.com/office/powerpoint/2010/main" val="1225582733"/>
                   </p:ext>
                 </p:extLst>
               </p:nvPr>
@@ -12458,13 +12518,14 @@
               <a:t>число </a:t>
             </a:r>
             <a:r>
-              <a:rPr lang="ru-RU" dirty="0" err="1"/>
+              <a:rPr lang="ru-RU"/>
               <a:t>вокселей</a:t>
             </a:r>
             <a:r>
-              <a:rPr lang="en-US" dirty="0"/>
+              <a:rPr lang="en-US"/>
               <a:t>;</a:t>
             </a:r>
+            <a:endParaRPr lang="en-US" dirty="0"/>
           </a:p>
           <a:p>
             <a:r>
@@ -13866,8 +13927,8 @@
           </a:p>
         </p:txBody>
       </p:sp>
-      <mc:AlternateContent xmlns:mc="http://schemas.openxmlformats.org/markup-compatibility/2006">
-        <mc:Choice xmlns:a14="http://schemas.microsoft.com/office/drawing/2010/main" Requires="a14">
+      <mc:AlternateContent xmlns:mc="http://schemas.openxmlformats.org/markup-compatibility/2006" xmlns:a14="http://schemas.microsoft.com/office/drawing/2010/main">
+        <mc:Choice Requires="a14">
           <p:graphicFrame>
             <p:nvGraphicFramePr>
               <p:cNvPr id="3" name="Таблица 2">
@@ -13890,7 +13951,7 @@
             </p:nvGraphicFramePr>
             <p:xfrm>
               <a:off x="370840" y="1999881"/>
-              <a:ext cx="8971280" cy="3480880"/>
+              <a:ext cx="8971280" cy="3474720"/>
             </p:xfrm>
             <a:graphic>
               <a:graphicData uri="http://schemas.openxmlformats.org/drawingml/2006/table">
@@ -14586,32 +14647,44 @@
                                 <m:sSup>
                                   <m:sSupPr>
                                     <m:ctrlPr>
-                                      <a:rPr lang="en-US" smtClean="0"/>
+                                      <a:rPr lang="en-US" i="1" smtClean="0">
+                                        <a:latin typeface="Cambria Math" panose="02040503050406030204" pitchFamily="18" charset="0"/>
+                                      </a:rPr>
                                     </m:ctrlPr>
                                   </m:sSupPr>
                                   <m:e>
                                     <m:r>
-                                      <a:rPr lang="en-US" b="0" smtClean="0"/>
+                                      <a:rPr lang="en-US" b="0" smtClean="0">
+                                        <a:latin typeface="Cambria Math" panose="02040503050406030204" pitchFamily="18" charset="0"/>
+                                      </a:rPr>
                                       <m:t>𝑂</m:t>
                                     </m:r>
                                     <m:r>
-                                      <a:rPr lang="en-US" b="0" smtClean="0"/>
+                                      <a:rPr lang="en-US" b="0" smtClean="0">
+                                        <a:latin typeface="Cambria Math" panose="02040503050406030204" pitchFamily="18" charset="0"/>
+                                      </a:rPr>
                                       <m:t>(</m:t>
                                     </m:r>
                                     <m:r>
-                                      <a:rPr lang="en-US" b="0" smtClean="0"/>
+                                      <a:rPr lang="en-US" b="0" smtClean="0">
+                                        <a:latin typeface="Cambria Math" panose="02040503050406030204" pitchFamily="18" charset="0"/>
+                                      </a:rPr>
                                       <m:t>𝑁</m:t>
                                     </m:r>
                                   </m:e>
                                   <m:sup>
                                     <m:r>
-                                      <a:rPr lang="en-US" smtClean="0"/>
+                                      <a:rPr lang="en-US" smtClean="0">
+                                        <a:latin typeface="Cambria Math" panose="02040503050406030204" pitchFamily="18" charset="0"/>
+                                      </a:rPr>
                                       <m:t>2</m:t>
                                     </m:r>
                                   </m:sup>
                                 </m:sSup>
                                 <m:r>
-                                  <a:rPr lang="en-US" b="0" smtClean="0"/>
+                                  <a:rPr lang="en-US" b="0" smtClean="0">
+                                    <a:latin typeface="Cambria Math" panose="02040503050406030204" pitchFamily="18" charset="0"/>
+                                  </a:rPr>
                                   <m:t>)</m:t>
                                 </m:r>
                               </m:oMath>
@@ -14635,29 +14708,27 @@
                               </m:oMathParaPr>
                               <m:oMath xmlns:m="http://schemas.openxmlformats.org/officeDocument/2006/math">
                                 <m:r>
-                                  <a:rPr lang="en-US" b="0" smtClean="0"/>
+                                  <a:rPr lang="en-US" b="0" smtClean="0">
+                                    <a:latin typeface="Cambria Math" panose="02040503050406030204" pitchFamily="18" charset="0"/>
+                                  </a:rPr>
                                   <m:t>𝑂</m:t>
-                                </m:r>
-                                <m:r>
-                                  <a:rPr lang="en-US" b="0" smtClean="0"/>
-                                  <m:t>(</m:t>
-                                </m:r>
-                                <m:r>
-                                  <a:rPr lang="en-US" b="0" smtClean="0"/>
-                                  <m:t>𝑊</m:t>
                                 </m:r>
                                 <m:r>
                                   <a:rPr lang="en-US" b="0" smtClean="0">
                                     <a:latin typeface="Cambria Math" panose="02040503050406030204" pitchFamily="18" charset="0"/>
                                   </a:rPr>
-                                  <m:t>𝐻</m:t>
+                                  <m:t>(</m:t>
                                 </m:r>
                                 <m:r>
-                                  <a:rPr lang="en-US" b="0" smtClean="0"/>
-                                  <m:t>𝑁</m:t>
+                                  <a:rPr lang="en-US" b="0" smtClean="0">
+                                    <a:latin typeface="Cambria Math" panose="02040503050406030204" pitchFamily="18" charset="0"/>
+                                  </a:rPr>
+                                  <m:t>𝑊𝐻𝑁</m:t>
                                 </m:r>
                                 <m:r>
-                                  <a:rPr lang="en-US" b="0" smtClean="0"/>
+                                  <a:rPr lang="en-US" b="0" smtClean="0">
+                                    <a:latin typeface="Cambria Math" panose="02040503050406030204" pitchFamily="18" charset="0"/>
+                                  </a:rPr>
                                   <m:t>)</m:t>
                                 </m:r>
                               </m:oMath>
@@ -14790,7 +14861,7 @@
             </a:graphic>
           </p:graphicFrame>
         </mc:Choice>
-        <mc:Fallback>
+        <mc:Fallback xmlns="">
           <p:graphicFrame>
             <p:nvGraphicFramePr>
               <p:cNvPr id="3" name="Таблица 2">

--- a/doc/CourseworkPresentation.pptx
+++ b/doc/CourseworkPresentation.pptx
@@ -32,7 +32,7 @@
     <p:sldId id="267" r:id="rId20"/>
   </p:sldIdLst>
   <p:sldSz cx="10080625" cy="5670550"/>
-  <p:notesSz cx="7559675" cy="10691813"/>
+  <p:notesSz cx="6889750" cy="10021888"/>
   <p:defaultTextStyle>
     <a:defPPr>
       <a:defRPr lang="ru-RU"/>
@@ -140,19 +140,19 @@
 <pc:chgInfo xmlns:a="http://schemas.openxmlformats.org/drawingml/2006/main" xmlns:r="http://schemas.openxmlformats.org/officeDocument/2006/relationships" xmlns:ac="http://schemas.microsoft.com/office/drawing/2013/main/command" xmlns:pc="http://schemas.microsoft.com/office/powerpoint/2013/main/command">
   <pc:docChgLst>
     <pc:chgData name="никита могилин" userId="08ce3e31bc9375b9" providerId="LiveId" clId="{F3B2B6B8-7471-4ADA-BD24-63ECFD07BECC}"/>
-    <pc:docChg chg="undo custSel addSld delSld modSld sldOrd">
-      <pc:chgData name="никита могилин" userId="08ce3e31bc9375b9" providerId="LiveId" clId="{F3B2B6B8-7471-4ADA-BD24-63ECFD07BECC}" dt="2024-12-11T18:25:01.676" v="4063" actId="20577"/>
+    <pc:docChg chg="undo custSel addSld delSld modSld sldOrd modNotesMaster modHandout">
+      <pc:chgData name="никита могилин" userId="08ce3e31bc9375b9" providerId="LiveId" clId="{F3B2B6B8-7471-4ADA-BD24-63ECFD07BECC}" dt="2024-12-11T23:22:38.847" v="4272" actId="20577"/>
       <pc:docMkLst>
         <pc:docMk/>
       </pc:docMkLst>
-      <pc:sldChg chg="modSp mod">
-        <pc:chgData name="никита могилин" userId="08ce3e31bc9375b9" providerId="LiveId" clId="{F3B2B6B8-7471-4ADA-BD24-63ECFD07BECC}" dt="2024-12-10T22:55:12.875" v="3964" actId="20577"/>
+      <pc:sldChg chg="modSp mod modNotes">
+        <pc:chgData name="никита могилин" userId="08ce3e31bc9375b9" providerId="LiveId" clId="{F3B2B6B8-7471-4ADA-BD24-63ECFD07BECC}" dt="2024-12-11T23:22:38.847" v="4272" actId="20577"/>
         <pc:sldMkLst>
           <pc:docMk/>
           <pc:sldMk cId="0" sldId="256"/>
         </pc:sldMkLst>
         <pc:spChg chg="mod">
-          <ac:chgData name="никита могилин" userId="08ce3e31bc9375b9" providerId="LiveId" clId="{F3B2B6B8-7471-4ADA-BD24-63ECFD07BECC}" dt="2024-12-10T22:55:12.875" v="3964" actId="20577"/>
+          <ac:chgData name="никита могилин" userId="08ce3e31bc9375b9" providerId="LiveId" clId="{F3B2B6B8-7471-4ADA-BD24-63ECFD07BECC}" dt="2024-12-11T23:22:38.847" v="4272" actId="20577"/>
           <ac:spMkLst>
             <pc:docMk/>
             <pc:sldMk cId="0" sldId="256"/>
@@ -160,14 +160,14 @@
           </ac:spMkLst>
         </pc:spChg>
       </pc:sldChg>
-      <pc:sldChg chg="modSp mod">
-        <pc:chgData name="никита могилин" userId="08ce3e31bc9375b9" providerId="LiveId" clId="{F3B2B6B8-7471-4ADA-BD24-63ECFD07BECC}" dt="2024-12-10T22:56:05.358" v="4035" actId="20577"/>
+      <pc:sldChg chg="modSp mod modNotes">
+        <pc:chgData name="никита могилин" userId="08ce3e31bc9375b9" providerId="LiveId" clId="{F3B2B6B8-7471-4ADA-BD24-63ECFD07BECC}" dt="2024-12-11T22:01:48.437" v="4251"/>
         <pc:sldMkLst>
           <pc:docMk/>
           <pc:sldMk cId="0" sldId="257"/>
         </pc:sldMkLst>
         <pc:spChg chg="mod">
-          <ac:chgData name="никита могилин" userId="08ce3e31bc9375b9" providerId="LiveId" clId="{F3B2B6B8-7471-4ADA-BD24-63ECFD07BECC}" dt="2024-12-10T22:56:05.358" v="4035" actId="20577"/>
+          <ac:chgData name="никита могилин" userId="08ce3e31bc9375b9" providerId="LiveId" clId="{F3B2B6B8-7471-4ADA-BD24-63ECFD07BECC}" dt="2024-12-11T21:08:43.602" v="4157" actId="20577"/>
           <ac:spMkLst>
             <pc:docMk/>
             <pc:sldMk cId="0" sldId="257"/>
@@ -175,8 +175,8 @@
           </ac:spMkLst>
         </pc:spChg>
       </pc:sldChg>
-      <pc:sldChg chg="modSp mod">
-        <pc:chgData name="никита могилин" userId="08ce3e31bc9375b9" providerId="LiveId" clId="{F3B2B6B8-7471-4ADA-BD24-63ECFD07BECC}" dt="2024-12-10T07:02:08.410" v="1122" actId="1076"/>
+      <pc:sldChg chg="modSp mod modNotes">
+        <pc:chgData name="никита могилин" userId="08ce3e31bc9375b9" providerId="LiveId" clId="{F3B2B6B8-7471-4ADA-BD24-63ECFD07BECC}" dt="2024-12-11T22:01:48.437" v="4251"/>
         <pc:sldMkLst>
           <pc:docMk/>
           <pc:sldMk cId="0" sldId="258"/>
@@ -206,8 +206,8 @@
           </ac:picMkLst>
         </pc:picChg>
       </pc:sldChg>
-      <pc:sldChg chg="addSp delSp modSp mod">
-        <pc:chgData name="никита могилин" userId="08ce3e31bc9375b9" providerId="LiveId" clId="{F3B2B6B8-7471-4ADA-BD24-63ECFD07BECC}" dt="2024-12-10T06:50:59.557" v="1112" actId="313"/>
+      <pc:sldChg chg="addSp delSp modSp mod modNotes">
+        <pc:chgData name="никита могилин" userId="08ce3e31bc9375b9" providerId="LiveId" clId="{F3B2B6B8-7471-4ADA-BD24-63ECFD07BECC}" dt="2024-12-11T22:01:48.437" v="4251"/>
         <pc:sldMkLst>
           <pc:docMk/>
           <pc:sldMk cId="0" sldId="259"/>
@@ -229,15 +229,15 @@
           </ac:spMkLst>
         </pc:spChg>
         <pc:spChg chg="add mod">
-          <ac:chgData name="никита могилин" userId="08ce3e31bc9375b9" providerId="LiveId" clId="{F3B2B6B8-7471-4ADA-BD24-63ECFD07BECC}" dt="2024-12-10T06:50:41.410" v="1111" actId="14100"/>
+          <ac:chgData name="никита могилин" userId="08ce3e31bc9375b9" providerId="LiveId" clId="{F3B2B6B8-7471-4ADA-BD24-63ECFD07BECC}" dt="2024-12-11T21:44:07.324" v="4211" actId="1076"/>
           <ac:spMkLst>
             <pc:docMk/>
             <pc:sldMk cId="0" sldId="259"/>
             <ac:spMk id="7" creationId="{87E158FE-1FA3-B5FA-D9B6-D70654C8B598}"/>
           </ac:spMkLst>
         </pc:spChg>
-        <pc:graphicFrameChg chg="add mod modGraphic">
-          <ac:chgData name="никита могилин" userId="08ce3e31bc9375b9" providerId="LiveId" clId="{F3B2B6B8-7471-4ADA-BD24-63ECFD07BECC}" dt="2024-12-10T06:50:07.530" v="1085" actId="1076"/>
+        <pc:graphicFrameChg chg="add del mod modGraphic">
+          <ac:chgData name="никита могилин" userId="08ce3e31bc9375b9" providerId="LiveId" clId="{F3B2B6B8-7471-4ADA-BD24-63ECFD07BECC}" dt="2024-12-11T21:44:20.163" v="4212" actId="1076"/>
           <ac:graphicFrameMkLst>
             <pc:docMk/>
             <pc:sldMk cId="0" sldId="259"/>
@@ -260,8 +260,8 @@
           <pc:sldMk cId="0" sldId="260"/>
         </pc:sldMkLst>
       </pc:sldChg>
-      <pc:sldChg chg="addSp delSp modSp mod">
-        <pc:chgData name="никита могилин" userId="08ce3e31bc9375b9" providerId="LiveId" clId="{F3B2B6B8-7471-4ADA-BD24-63ECFD07BECC}" dt="2024-12-10T08:40:51.210" v="2074" actId="14100"/>
+      <pc:sldChg chg="addSp delSp modSp mod modNotes">
+        <pc:chgData name="никита могилин" userId="08ce3e31bc9375b9" providerId="LiveId" clId="{F3B2B6B8-7471-4ADA-BD24-63ECFD07BECC}" dt="2024-12-11T22:01:48.437" v="4251"/>
         <pc:sldMkLst>
           <pc:docMk/>
           <pc:sldMk cId="0" sldId="261"/>
@@ -299,8 +299,8 @@
           </ac:picMkLst>
         </pc:picChg>
       </pc:sldChg>
-      <pc:sldChg chg="modSp mod">
-        <pc:chgData name="никита могилин" userId="08ce3e31bc9375b9" providerId="LiveId" clId="{F3B2B6B8-7471-4ADA-BD24-63ECFD07BECC}" dt="2024-12-10T19:37:13.454" v="2229" actId="20577"/>
+      <pc:sldChg chg="modSp mod modNotes">
+        <pc:chgData name="никита могилин" userId="08ce3e31bc9375b9" providerId="LiveId" clId="{F3B2B6B8-7471-4ADA-BD24-63ECFD07BECC}" dt="2024-12-11T22:01:48.437" v="4251"/>
         <pc:sldMkLst>
           <pc:docMk/>
           <pc:sldMk cId="0" sldId="262"/>
@@ -322,8 +322,8 @@
           </ac:spMkLst>
         </pc:spChg>
       </pc:sldChg>
-      <pc:sldChg chg="addSp delSp modSp mod">
-        <pc:chgData name="никита могилин" userId="08ce3e31bc9375b9" providerId="LiveId" clId="{F3B2B6B8-7471-4ADA-BD24-63ECFD07BECC}" dt="2024-12-11T14:57:13.289" v="4036"/>
+      <pc:sldChg chg="addSp delSp modSp mod modNotes">
+        <pc:chgData name="никита могилин" userId="08ce3e31bc9375b9" providerId="LiveId" clId="{F3B2B6B8-7471-4ADA-BD24-63ECFD07BECC}" dt="2024-12-11T22:01:48.437" v="4251"/>
         <pc:sldMkLst>
           <pc:docMk/>
           <pc:sldMk cId="0" sldId="263"/>
@@ -385,8 +385,8 @@
           </ac:graphicFrameMkLst>
         </pc:graphicFrameChg>
       </pc:sldChg>
-      <pc:sldChg chg="addSp delSp modSp mod">
-        <pc:chgData name="никита могилин" userId="08ce3e31bc9375b9" providerId="LiveId" clId="{F3B2B6B8-7471-4ADA-BD24-63ECFD07BECC}" dt="2024-12-10T21:10:42.395" v="3246" actId="1076"/>
+      <pc:sldChg chg="addSp delSp modSp mod modNotes">
+        <pc:chgData name="никита могилин" userId="08ce3e31bc9375b9" providerId="LiveId" clId="{F3B2B6B8-7471-4ADA-BD24-63ECFD07BECC}" dt="2024-12-11T22:01:48.437" v="4251"/>
         <pc:sldMkLst>
           <pc:docMk/>
           <pc:sldMk cId="0" sldId="264"/>
@@ -447,8 +447,8 @@
           <pc:sldMk cId="0" sldId="265"/>
         </pc:sldMkLst>
       </pc:sldChg>
-      <pc:sldChg chg="modSp mod">
-        <pc:chgData name="никита могилин" userId="08ce3e31bc9375b9" providerId="LiveId" clId="{F3B2B6B8-7471-4ADA-BD24-63ECFD07BECC}" dt="2024-12-10T22:51:11.350" v="3865" actId="20577"/>
+      <pc:sldChg chg="modSp mod modNotes">
+        <pc:chgData name="никита могилин" userId="08ce3e31bc9375b9" providerId="LiveId" clId="{F3B2B6B8-7471-4ADA-BD24-63ECFD07BECC}" dt="2024-12-11T22:01:48.437" v="4251"/>
         <pc:sldMkLst>
           <pc:docMk/>
           <pc:sldMk cId="0" sldId="267"/>
@@ -483,12 +483,20 @@
           <pc:sldMk cId="926665723" sldId="270"/>
         </pc:sldMkLst>
       </pc:sldChg>
-      <pc:sldChg chg="addSp delSp modSp mod">
-        <pc:chgData name="никита могилин" userId="08ce3e31bc9375b9" providerId="LiveId" clId="{F3B2B6B8-7471-4ADA-BD24-63ECFD07BECC}" dt="2024-12-10T09:01:34.169" v="2204" actId="20577"/>
+      <pc:sldChg chg="addSp delSp modSp mod modNotes">
+        <pc:chgData name="никита могилин" userId="08ce3e31bc9375b9" providerId="LiveId" clId="{F3B2B6B8-7471-4ADA-BD24-63ECFD07BECC}" dt="2024-12-11T22:01:48.437" v="4251"/>
         <pc:sldMkLst>
           <pc:docMk/>
           <pc:sldMk cId="1494918856" sldId="271"/>
         </pc:sldMkLst>
+        <pc:spChg chg="mod">
+          <ac:chgData name="никита могилин" userId="08ce3e31bc9375b9" providerId="LiveId" clId="{F3B2B6B8-7471-4ADA-BD24-63ECFD07BECC}" dt="2024-12-11T22:00:50.576" v="4221" actId="20577"/>
+          <ac:spMkLst>
+            <pc:docMk/>
+            <pc:sldMk cId="1494918856" sldId="271"/>
+            <ac:spMk id="2" creationId="{AF407677-F877-4F97-416F-520DDCD27BB1}"/>
+          </ac:spMkLst>
+        </pc:spChg>
         <pc:spChg chg="mod">
           <ac:chgData name="никита могилин" userId="08ce3e31bc9375b9" providerId="LiveId" clId="{F3B2B6B8-7471-4ADA-BD24-63ECFD07BECC}" dt="2024-12-10T09:01:34.169" v="2204" actId="20577"/>
           <ac:spMkLst>
@@ -514,12 +522,20 @@
           </ac:picMkLst>
         </pc:picChg>
       </pc:sldChg>
-      <pc:sldChg chg="addSp delSp modSp mod">
-        <pc:chgData name="никита могилин" userId="08ce3e31bc9375b9" providerId="LiveId" clId="{F3B2B6B8-7471-4ADA-BD24-63ECFD07BECC}" dt="2024-12-10T21:00:04.233" v="2968" actId="122"/>
+      <pc:sldChg chg="addSp delSp modSp mod modNotes">
+        <pc:chgData name="никита могилин" userId="08ce3e31bc9375b9" providerId="LiveId" clId="{F3B2B6B8-7471-4ADA-BD24-63ECFD07BECC}" dt="2024-12-11T22:01:48.437" v="4251"/>
         <pc:sldMkLst>
           <pc:docMk/>
           <pc:sldMk cId="1120796533" sldId="272"/>
         </pc:sldMkLst>
+        <pc:spChg chg="mod">
+          <ac:chgData name="никита могилин" userId="08ce3e31bc9375b9" providerId="LiveId" clId="{F3B2B6B8-7471-4ADA-BD24-63ECFD07BECC}" dt="2024-12-11T22:00:58.304" v="4236" actId="20577"/>
+          <ac:spMkLst>
+            <pc:docMk/>
+            <pc:sldMk cId="1120796533" sldId="272"/>
+            <ac:spMk id="2" creationId="{E20E94B9-3393-2677-246E-14523F2DE269}"/>
+          </ac:spMkLst>
+        </pc:spChg>
         <pc:spChg chg="add mod">
           <ac:chgData name="никита могилин" userId="08ce3e31bc9375b9" providerId="LiveId" clId="{F3B2B6B8-7471-4ADA-BD24-63ECFD07BECC}" dt="2024-12-10T20:54:11.356" v="2912" actId="1076"/>
           <ac:spMkLst>
@@ -593,12 +609,20 @@
           </ac:picMkLst>
         </pc:picChg>
       </pc:sldChg>
-      <pc:sldChg chg="addSp delSp modSp mod">
-        <pc:chgData name="никита могилин" userId="08ce3e31bc9375b9" providerId="LiveId" clId="{F3B2B6B8-7471-4ADA-BD24-63ECFD07BECC}" dt="2024-12-10T21:53:37.638" v="3505" actId="1076"/>
+      <pc:sldChg chg="addSp delSp modSp mod modNotes">
+        <pc:chgData name="никита могилин" userId="08ce3e31bc9375b9" providerId="LiveId" clId="{F3B2B6B8-7471-4ADA-BD24-63ECFD07BECC}" dt="2024-12-11T22:01:48.437" v="4251"/>
         <pc:sldMkLst>
           <pc:docMk/>
           <pc:sldMk cId="1274804539" sldId="273"/>
         </pc:sldMkLst>
+        <pc:spChg chg="mod">
+          <ac:chgData name="никита могилин" userId="08ce3e31bc9375b9" providerId="LiveId" clId="{F3B2B6B8-7471-4ADA-BD24-63ECFD07BECC}" dt="2024-12-11T22:01:06.300" v="4239" actId="20577"/>
+          <ac:spMkLst>
+            <pc:docMk/>
+            <pc:sldMk cId="1274804539" sldId="273"/>
+            <ac:spMk id="2" creationId="{3056A9A0-2F56-096B-55CF-0CCFB9D83681}"/>
+          </ac:spMkLst>
+        </pc:spChg>
         <pc:spChg chg="add mod">
           <ac:chgData name="никита могилин" userId="08ce3e31bc9375b9" providerId="LiveId" clId="{F3B2B6B8-7471-4ADA-BD24-63ECFD07BECC}" dt="2024-12-10T21:52:58.951" v="3504" actId="1076"/>
           <ac:spMkLst>
@@ -680,6 +704,13 @@
           </ac:picMkLst>
         </pc:picChg>
       </pc:sldChg>
+      <pc:sldChg chg="modNotes">
+        <pc:chgData name="никита могилин" userId="08ce3e31bc9375b9" providerId="LiveId" clId="{F3B2B6B8-7471-4ADA-BD24-63ECFD07BECC}" dt="2024-12-11T22:01:48.437" v="4251"/>
+        <pc:sldMkLst>
+          <pc:docMk/>
+          <pc:sldMk cId="2903370106" sldId="274"/>
+        </pc:sldMkLst>
+      </pc:sldChg>
       <pc:sldChg chg="addSp delSp modSp add del mod modShow">
         <pc:chgData name="никита могилин" userId="08ce3e31bc9375b9" providerId="LiveId" clId="{F3B2B6B8-7471-4ADA-BD24-63ECFD07BECC}" dt="2024-12-10T22:45:02.873" v="3583" actId="2696"/>
         <pc:sldMkLst>
@@ -704,7 +735,7 @@
         </pc:graphicFrameChg>
       </pc:sldChg>
       <pc:sldChg chg="addSp delSp modSp mod">
-        <pc:chgData name="никита могилин" userId="08ce3e31bc9375b9" providerId="LiveId" clId="{F3B2B6B8-7471-4ADA-BD24-63ECFD07BECC}" dt="2024-12-10T22:53:06.900" v="3895" actId="20577"/>
+        <pc:chgData name="никита могилин" userId="08ce3e31bc9375b9" providerId="LiveId" clId="{F3B2B6B8-7471-4ADA-BD24-63ECFD07BECC}" dt="2024-12-11T21:49:48.985" v="4218" actId="14100"/>
         <pc:sldMkLst>
           <pc:docMk/>
           <pc:sldMk cId="1844644317" sldId="276"/>
@@ -726,6 +757,14 @@
           </ac:picMkLst>
         </pc:picChg>
         <pc:picChg chg="add mod">
+          <ac:chgData name="никита могилин" userId="08ce3e31bc9375b9" providerId="LiveId" clId="{F3B2B6B8-7471-4ADA-BD24-63ECFD07BECC}" dt="2024-12-11T21:49:48.985" v="4218" actId="14100"/>
+          <ac:picMkLst>
+            <pc:docMk/>
+            <pc:sldMk cId="1844644317" sldId="276"/>
+            <ac:picMk id="5" creationId="{E8CCD000-5696-4EC6-CD8C-4F3E943EDAC3}"/>
+          </ac:picMkLst>
+        </pc:picChg>
+        <pc:picChg chg="add mod">
           <ac:chgData name="никита могилин" userId="08ce3e31bc9375b9" providerId="LiveId" clId="{F3B2B6B8-7471-4ADA-BD24-63ECFD07BECC}" dt="2024-12-10T08:21:35.505" v="2012" actId="14100"/>
           <ac:picMkLst>
             <pc:docMk/>
@@ -733,8 +772,8 @@
             <ac:picMk id="6" creationId="{E8CDED63-D179-B887-2F29-743EAE12050E}"/>
           </ac:picMkLst>
         </pc:picChg>
-        <pc:picChg chg="add mod">
-          <ac:chgData name="никита могилин" userId="08ce3e31bc9375b9" providerId="LiveId" clId="{F3B2B6B8-7471-4ADA-BD24-63ECFD07BECC}" dt="2024-12-10T22:52:22.014" v="3877" actId="1076"/>
+        <pc:picChg chg="add del mod">
+          <ac:chgData name="никита могилин" userId="08ce3e31bc9375b9" providerId="LiveId" clId="{F3B2B6B8-7471-4ADA-BD24-63ECFD07BECC}" dt="2024-12-11T21:49:39.278" v="4214" actId="478"/>
           <ac:picMkLst>
             <pc:docMk/>
             <pc:sldMk cId="1844644317" sldId="276"/>
@@ -788,7 +827,7 @@
         </pc:spChg>
       </pc:sldChg>
       <pc:sldChg chg="addSp modSp new mod ord modClrScheme chgLayout">
-        <pc:chgData name="никита могилин" userId="08ce3e31bc9375b9" providerId="LiveId" clId="{F3B2B6B8-7471-4ADA-BD24-63ECFD07BECC}" dt="2024-12-11T18:25:01.676" v="4063" actId="20577"/>
+        <pc:chgData name="никита могилин" userId="08ce3e31bc9375b9" providerId="LiveId" clId="{F3B2B6B8-7471-4ADA-BD24-63ECFD07BECC}" dt="2024-12-11T21:32:59.226" v="4188" actId="20577"/>
         <pc:sldMkLst>
           <pc:docMk/>
           <pc:sldMk cId="48478796" sldId="279"/>
@@ -818,7 +857,7 @@
           </ac:spMkLst>
         </pc:spChg>
         <pc:spChg chg="add mod">
-          <ac:chgData name="никита могилин" userId="08ce3e31bc9375b9" providerId="LiveId" clId="{F3B2B6B8-7471-4ADA-BD24-63ECFD07BECC}" dt="2024-12-11T18:25:01.676" v="4063" actId="20577"/>
+          <ac:chgData name="никита могилин" userId="08ce3e31bc9375b9" providerId="LiveId" clId="{F3B2B6B8-7471-4ADA-BD24-63ECFD07BECC}" dt="2024-12-11T21:32:59.226" v="4188" actId="20577"/>
           <ac:spMkLst>
             <pc:docMk/>
             <pc:sldMk cId="48478796" sldId="279"/>
@@ -826,7 +865,7 @@
           </ac:spMkLst>
         </pc:spChg>
         <pc:graphicFrameChg chg="add mod modGraphic">
-          <ac:chgData name="никита могилин" userId="08ce3e31bc9375b9" providerId="LiveId" clId="{F3B2B6B8-7471-4ADA-BD24-63ECFD07BECC}" dt="2024-12-11T17:46:54.489" v="4041"/>
+          <ac:chgData name="никита могилин" userId="08ce3e31bc9375b9" providerId="LiveId" clId="{F3B2B6B8-7471-4ADA-BD24-63ECFD07BECC}" dt="2024-12-11T21:29:10.024" v="4159" actId="20577"/>
           <ac:graphicFrameMkLst>
             <pc:docMk/>
             <pc:sldMk cId="48478796" sldId="279"/>
@@ -874,13 +913,13 @@
         </pc:picChg>
       </pc:sldChg>
       <pc:sldChg chg="addSp delSp modSp new mod">
-        <pc:chgData name="никита могилин" userId="08ce3e31bc9375b9" providerId="LiveId" clId="{F3B2B6B8-7471-4ADA-BD24-63ECFD07BECC}" dt="2024-12-10T22:50:22.065" v="3803" actId="20577"/>
+        <pc:chgData name="никита могилин" userId="08ce3e31bc9375b9" providerId="LiveId" clId="{F3B2B6B8-7471-4ADA-BD24-63ECFD07BECC}" dt="2024-12-11T22:01:15.220" v="4250" actId="20577"/>
         <pc:sldMkLst>
           <pc:docMk/>
           <pc:sldMk cId="557302939" sldId="281"/>
         </pc:sldMkLst>
         <pc:spChg chg="add mod">
-          <ac:chgData name="никита могилин" userId="08ce3e31bc9375b9" providerId="LiveId" clId="{F3B2B6B8-7471-4ADA-BD24-63ECFD07BECC}" dt="2024-12-10T21:53:54.976" v="3508" actId="1076"/>
+          <ac:chgData name="никита могилин" userId="08ce3e31bc9375b9" providerId="LiveId" clId="{F3B2B6B8-7471-4ADA-BD24-63ECFD07BECC}" dt="2024-12-11T22:01:15.220" v="4250" actId="20577"/>
           <ac:spMkLst>
             <pc:docMk/>
             <pc:sldMk cId="557302939" sldId="281"/>
@@ -1014,7 +1053,7 @@
         <p:spPr>
           <a:xfrm>
             <a:off x="0" y="0"/>
-            <a:ext cx="3280680" cy="534240"/>
+            <a:ext cx="2989952" cy="500766"/>
           </a:xfrm>
           <a:prstGeom prst="rect">
             <a:avLst/>
@@ -1025,29 +1064,15 @@
           </a:ln>
         </p:spPr>
         <p:txBody>
-          <a:bodyPr vert="horz" wrap="square" lIns="90000" tIns="45000" rIns="90000" bIns="45000" anchorCtr="0" compatLnSpc="0">
+          <a:bodyPr vert="horz" wrap="square" lIns="83385" tIns="41693" rIns="83385" bIns="41693" anchorCtr="0" compatLnSpc="0">
             <a:noAutofit/>
           </a:bodyPr>
           <a:lstStyle/>
           <a:p>
-            <a:pPr marL="0" marR="0" lvl="0" indent="0" rtl="0" hangingPunct="0">
-              <a:lnSpc>
-                <a:spcPct val="100000"/>
-              </a:lnSpc>
-              <a:spcBef>
-                <a:spcPts val="0"/>
-              </a:spcBef>
-              <a:spcAft>
-                <a:spcPts val="0"/>
-              </a:spcAft>
-              <a:buNone/>
-              <a:tabLst/>
+            <a:pPr hangingPunct="0">
               <a:defRPr sz="1400"/>
             </a:pPr>
-            <a:endParaRPr lang="ru-RU" sz="1400" b="0" i="0" u="none" strike="noStrike" kern="1200" cap="none">
-              <a:ln>
-                <a:noFill/>
-              </a:ln>
+            <a:endParaRPr lang="ru-RU" sz="1300">
               <a:latin typeface="Liberation Sans" pitchFamily="18"/>
               <a:ea typeface="Noto Sans CJK SC" pitchFamily="2"/>
               <a:cs typeface="Lohit Devanagari" pitchFamily="2"/>
@@ -1073,8 +1098,8 @@
         </p:nvSpPr>
         <p:spPr>
           <a:xfrm>
-            <a:off x="4278960" y="0"/>
-            <a:ext cx="3280680" cy="534240"/>
+            <a:off x="3899766" y="0"/>
+            <a:ext cx="2989952" cy="500766"/>
           </a:xfrm>
           <a:prstGeom prst="rect">
             <a:avLst/>
@@ -1085,29 +1110,15 @@
           </a:ln>
         </p:spPr>
         <p:txBody>
-          <a:bodyPr vert="horz" wrap="square" lIns="90000" tIns="45000" rIns="90000" bIns="45000" anchorCtr="0" compatLnSpc="0">
+          <a:bodyPr vert="horz" wrap="square" lIns="83385" tIns="41693" rIns="83385" bIns="41693" anchorCtr="0" compatLnSpc="0">
             <a:noAutofit/>
           </a:bodyPr>
           <a:lstStyle/>
           <a:p>
-            <a:pPr marL="0" marR="0" lvl="0" indent="0" algn="r" rtl="0" hangingPunct="0">
-              <a:lnSpc>
-                <a:spcPct val="100000"/>
-              </a:lnSpc>
-              <a:spcBef>
-                <a:spcPts val="0"/>
-              </a:spcBef>
-              <a:spcAft>
-                <a:spcPts val="0"/>
-              </a:spcAft>
-              <a:buNone/>
-              <a:tabLst/>
+            <a:pPr algn="r" hangingPunct="0">
               <a:defRPr sz="1400"/>
             </a:pPr>
-            <a:endParaRPr lang="ru-RU" sz="1400" b="0" i="0" u="none" strike="noStrike" kern="1200" cap="none">
-              <a:ln>
-                <a:noFill/>
-              </a:ln>
+            <a:endParaRPr lang="ru-RU" sz="1300">
               <a:latin typeface="Liberation Sans" pitchFamily="18"/>
               <a:ea typeface="Noto Sans CJK SC" pitchFamily="2"/>
               <a:cs typeface="Lohit Devanagari" pitchFamily="2"/>
@@ -1133,8 +1144,8 @@
         </p:nvSpPr>
         <p:spPr>
           <a:xfrm>
-            <a:off x="0" y="10157400"/>
-            <a:ext cx="3280680" cy="534240"/>
+            <a:off x="0" y="9520960"/>
+            <a:ext cx="2989952" cy="500766"/>
           </a:xfrm>
           <a:prstGeom prst="rect">
             <a:avLst/>
@@ -1145,29 +1156,15 @@
           </a:ln>
         </p:spPr>
         <p:txBody>
-          <a:bodyPr vert="horz" wrap="square" lIns="90000" tIns="45000" rIns="90000" bIns="45000" anchor="b" anchorCtr="0" compatLnSpc="0">
+          <a:bodyPr vert="horz" wrap="square" lIns="83385" tIns="41693" rIns="83385" bIns="41693" anchor="b" anchorCtr="0" compatLnSpc="0">
             <a:noAutofit/>
           </a:bodyPr>
           <a:lstStyle/>
           <a:p>
-            <a:pPr marL="0" marR="0" lvl="0" indent="0" rtl="0" hangingPunct="0">
-              <a:lnSpc>
-                <a:spcPct val="100000"/>
-              </a:lnSpc>
-              <a:spcBef>
-                <a:spcPts val="0"/>
-              </a:spcBef>
-              <a:spcAft>
-                <a:spcPts val="0"/>
-              </a:spcAft>
-              <a:buNone/>
-              <a:tabLst/>
+            <a:pPr hangingPunct="0">
               <a:defRPr sz="1400"/>
             </a:pPr>
-            <a:endParaRPr lang="ru-RU" sz="1400" b="0" i="0" u="none" strike="noStrike" kern="1200" cap="none">
-              <a:ln>
-                <a:noFill/>
-              </a:ln>
+            <a:endParaRPr lang="ru-RU" sz="1300">
               <a:latin typeface="Liberation Sans" pitchFamily="18"/>
               <a:ea typeface="Noto Sans CJK SC" pitchFamily="2"/>
               <a:cs typeface="Lohit Devanagari" pitchFamily="2"/>
@@ -1193,8 +1190,8 @@
         </p:nvSpPr>
         <p:spPr>
           <a:xfrm>
-            <a:off x="4278960" y="10157400"/>
-            <a:ext cx="3280680" cy="534240"/>
+            <a:off x="3899766" y="9520960"/>
+            <a:ext cx="2989952" cy="500766"/>
           </a:xfrm>
           <a:prstGeom prst="rect">
             <a:avLst/>
@@ -1205,32 +1202,21 @@
           </a:ln>
         </p:spPr>
         <p:txBody>
-          <a:bodyPr vert="horz" wrap="square" lIns="90000" tIns="45000" rIns="90000" bIns="45000" anchor="b" anchorCtr="0" compatLnSpc="0">
+          <a:bodyPr vert="horz" wrap="square" lIns="83385" tIns="41693" rIns="83385" bIns="41693" anchor="b" anchorCtr="0" compatLnSpc="0">
             <a:noAutofit/>
           </a:bodyPr>
           <a:lstStyle/>
           <a:p>
-            <a:pPr marL="0" marR="0" lvl="0" indent="0" algn="r" rtl="0" hangingPunct="0">
-              <a:lnSpc>
-                <a:spcPct val="100000"/>
-              </a:lnSpc>
-              <a:spcBef>
-                <a:spcPts val="0"/>
-              </a:spcBef>
-              <a:spcAft>
-                <a:spcPts val="0"/>
-              </a:spcAft>
-              <a:buNone/>
-              <a:tabLst/>
+            <a:pPr algn="r" hangingPunct="0">
               <a:defRPr sz="1400"/>
             </a:pPr>
             <a:fld id="{3F1FC053-E7EA-4490-9086-1892DA6F808E}" type="slidenum">
+              <a:pPr algn="r" hangingPunct="0">
+                <a:defRPr sz="1400"/>
+              </a:pPr>
               <a:t>‹#›</a:t>
             </a:fld>
-            <a:endParaRPr lang="ru-RU" sz="1400" b="0" i="0" u="none" strike="noStrike" kern="1200" cap="none">
-              <a:ln>
-                <a:noFill/>
-              </a:ln>
+            <a:endParaRPr lang="ru-RU" sz="1300">
               <a:latin typeface="Liberation Sans" pitchFamily="18"/>
               <a:ea typeface="Noto Sans CJK SC" pitchFamily="2"/>
               <a:cs typeface="Lohit Devanagari" pitchFamily="2"/>
@@ -1289,8 +1275,8 @@
         </p:nvSpPr>
         <p:spPr>
           <a:xfrm>
-            <a:off x="216000" y="812520"/>
-            <a:ext cx="7127279" cy="4008959"/>
+            <a:off x="106363" y="762000"/>
+            <a:ext cx="6677025" cy="3757613"/>
           </a:xfrm>
           <a:prstGeom prst="rect">
             <a:avLst/>
@@ -1320,8 +1306,8 @@
         </p:nvSpPr>
         <p:spPr>
           <a:xfrm>
-            <a:off x="756000" y="5078520"/>
-            <a:ext cx="6047640" cy="4811040"/>
+            <a:off x="689005" y="4760311"/>
+            <a:ext cx="5511709" cy="4509591"/>
           </a:xfrm>
           <a:prstGeom prst="rect">
             <a:avLst/>
@@ -1358,7 +1344,7 @@
         <p:spPr>
           <a:xfrm>
             <a:off x="0" y="0"/>
-            <a:ext cx="3280680" cy="534240"/>
+            <a:ext cx="2989952" cy="500766"/>
           </a:xfrm>
           <a:prstGeom prst="rect">
             <a:avLst/>
@@ -1376,7 +1362,7 @@
             <a:lvl1pPr lvl="0" rtl="0" hangingPunct="0">
               <a:buNone/>
               <a:tabLst/>
-              <a:defRPr lang="ru-RU" sz="1400" kern="1200">
+              <a:defRPr lang="ru-RU" sz="1300" kern="1200">
                 <a:latin typeface="Liberation Serif" pitchFamily="18"/>
                 <a:ea typeface="DejaVu Sans" pitchFamily="2"/>
                 <a:cs typeface="DejaVu Sans" pitchFamily="2"/>
@@ -1407,8 +1393,8 @@
         </p:nvSpPr>
         <p:spPr>
           <a:xfrm>
-            <a:off x="4278960" y="0"/>
-            <a:ext cx="3280680" cy="534240"/>
+            <a:off x="3899766" y="0"/>
+            <a:ext cx="2989952" cy="500766"/>
           </a:xfrm>
           <a:prstGeom prst="rect">
             <a:avLst/>
@@ -1426,7 +1412,7 @@
             <a:lvl1pPr lvl="0" algn="r" rtl="0" hangingPunct="0">
               <a:buNone/>
               <a:tabLst/>
-              <a:defRPr lang="ru-RU" sz="1400" kern="1200">
+              <a:defRPr lang="ru-RU" sz="1300" kern="1200">
                 <a:latin typeface="Liberation Serif" pitchFamily="18"/>
                 <a:ea typeface="DejaVu Sans" pitchFamily="2"/>
                 <a:cs typeface="DejaVu Sans" pitchFamily="2"/>
@@ -1457,8 +1443,8 @@
         </p:nvSpPr>
         <p:spPr>
           <a:xfrm>
-            <a:off x="0" y="10157400"/>
-            <a:ext cx="3280680" cy="534240"/>
+            <a:off x="0" y="9520960"/>
+            <a:ext cx="2989952" cy="500766"/>
           </a:xfrm>
           <a:prstGeom prst="rect">
             <a:avLst/>
@@ -1476,7 +1462,7 @@
             <a:lvl1pPr lvl="0" rtl="0" hangingPunct="0">
               <a:buNone/>
               <a:tabLst/>
-              <a:defRPr lang="ru-RU" sz="1400" kern="1200">
+              <a:defRPr lang="ru-RU" sz="1300" kern="1200">
                 <a:latin typeface="Liberation Serif" pitchFamily="18"/>
                 <a:ea typeface="DejaVu Sans" pitchFamily="2"/>
                 <a:cs typeface="DejaVu Sans" pitchFamily="2"/>
@@ -1507,8 +1493,8 @@
         </p:nvSpPr>
         <p:spPr>
           <a:xfrm>
-            <a:off x="4278960" y="10157400"/>
-            <a:ext cx="3280680" cy="534240"/>
+            <a:off x="3899766" y="9520960"/>
+            <a:ext cx="2989952" cy="500766"/>
           </a:xfrm>
           <a:prstGeom prst="rect">
             <a:avLst/>
@@ -1526,7 +1512,7 @@
             <a:lvl1pPr lvl="0" algn="r" rtl="0" hangingPunct="0">
               <a:buNone/>
               <a:tabLst/>
-              <a:defRPr lang="ru-RU" sz="1400" kern="1200">
+              <a:defRPr lang="ru-RU" sz="1300" kern="1200">
                 <a:latin typeface="Liberation Serif" pitchFamily="18"/>
                 <a:ea typeface="DejaVu Sans" pitchFamily="2"/>
                 <a:cs typeface="DejaVu Sans" pitchFamily="2"/>
@@ -1717,8 +1703,8 @@
         </p:nvSpPr>
         <p:spPr>
           <a:xfrm>
-            <a:off x="217488" y="812800"/>
-            <a:ext cx="7124700" cy="4008438"/>
+            <a:off x="106363" y="762000"/>
+            <a:ext cx="6677025" cy="3757613"/>
           </a:xfrm>
           <a:solidFill>
             <a:srgbClr val="729FCF"/>
@@ -1838,8 +1824,8 @@
         </p:nvSpPr>
         <p:spPr>
           <a:xfrm>
-            <a:off x="217488" y="812800"/>
-            <a:ext cx="7124700" cy="4008438"/>
+            <a:off x="106363" y="762000"/>
+            <a:ext cx="6677025" cy="3757613"/>
           </a:xfrm>
           <a:solidFill>
             <a:srgbClr val="729FCF"/>
@@ -1964,8 +1950,8 @@
         </p:nvSpPr>
         <p:spPr>
           <a:xfrm>
-            <a:off x="217488" y="812800"/>
-            <a:ext cx="7124700" cy="4008438"/>
+            <a:off x="106363" y="762000"/>
+            <a:ext cx="6677025" cy="3757613"/>
           </a:xfrm>
           <a:solidFill>
             <a:srgbClr val="729FCF"/>
@@ -2084,8 +2070,8 @@
         </p:nvSpPr>
         <p:spPr>
           <a:xfrm>
-            <a:off x="217488" y="812800"/>
-            <a:ext cx="7124700" cy="4008438"/>
+            <a:off x="106363" y="762000"/>
+            <a:ext cx="6677025" cy="3757613"/>
           </a:xfrm>
           <a:solidFill>
             <a:srgbClr val="729FCF"/>
@@ -2199,8 +2185,8 @@
         </p:nvSpPr>
         <p:spPr>
           <a:xfrm>
-            <a:off x="217488" y="812800"/>
-            <a:ext cx="7124700" cy="4008438"/>
+            <a:off x="106363" y="762000"/>
+            <a:ext cx="6677025" cy="3757613"/>
           </a:xfrm>
           <a:solidFill>
             <a:srgbClr val="729FCF"/>
@@ -2314,8 +2300,8 @@
         </p:nvSpPr>
         <p:spPr>
           <a:xfrm>
-            <a:off x="217488" y="812800"/>
-            <a:ext cx="7124700" cy="4008438"/>
+            <a:off x="106363" y="762000"/>
+            <a:ext cx="6677025" cy="3757613"/>
           </a:xfrm>
           <a:solidFill>
             <a:srgbClr val="729FCF"/>
@@ -2435,8 +2421,8 @@
         </p:nvSpPr>
         <p:spPr>
           <a:xfrm>
-            <a:off x="217488" y="812800"/>
-            <a:ext cx="7124700" cy="4008438"/>
+            <a:off x="106363" y="762000"/>
+            <a:ext cx="6677025" cy="3757613"/>
           </a:xfrm>
           <a:solidFill>
             <a:srgbClr val="729FCF"/>
@@ -2555,8 +2541,8 @@
         </p:nvSpPr>
         <p:spPr>
           <a:xfrm>
-            <a:off x="217488" y="812800"/>
-            <a:ext cx="7124700" cy="4008438"/>
+            <a:off x="106363" y="762000"/>
+            <a:ext cx="6677025" cy="3757613"/>
           </a:xfrm>
           <a:solidFill>
             <a:srgbClr val="729FCF"/>
@@ -2670,8 +2656,8 @@
         </p:nvSpPr>
         <p:spPr>
           <a:xfrm>
-            <a:off x="217488" y="812800"/>
-            <a:ext cx="7124700" cy="4008438"/>
+            <a:off x="106363" y="762000"/>
+            <a:ext cx="6677025" cy="3757613"/>
           </a:xfrm>
           <a:solidFill>
             <a:srgbClr val="729FCF"/>
@@ -2785,8 +2771,8 @@
         </p:nvSpPr>
         <p:spPr>
           <a:xfrm>
-            <a:off x="217488" y="812800"/>
-            <a:ext cx="7124700" cy="4008438"/>
+            <a:off x="106363" y="762000"/>
+            <a:ext cx="6677025" cy="3757613"/>
           </a:xfrm>
           <a:solidFill>
             <a:srgbClr val="729FCF"/>
@@ -2900,8 +2886,8 @@
         </p:nvSpPr>
         <p:spPr>
           <a:xfrm>
-            <a:off x="217488" y="812800"/>
-            <a:ext cx="7124700" cy="4008438"/>
+            <a:off x="106363" y="762000"/>
+            <a:ext cx="6677025" cy="3757613"/>
           </a:xfrm>
           <a:solidFill>
             <a:srgbClr val="729FCF"/>
@@ -3021,8 +3007,8 @@
         </p:nvSpPr>
         <p:spPr>
           <a:xfrm>
-            <a:off x="217488" y="812800"/>
-            <a:ext cx="7124700" cy="4008438"/>
+            <a:off x="106363" y="762000"/>
+            <a:ext cx="6677025" cy="3757613"/>
           </a:xfrm>
           <a:solidFill>
             <a:srgbClr val="729FCF"/>
@@ -3141,8 +3127,8 @@
         </p:nvSpPr>
         <p:spPr>
           <a:xfrm>
-            <a:off x="217488" y="812800"/>
-            <a:ext cx="7124700" cy="4008438"/>
+            <a:off x="106363" y="762000"/>
+            <a:ext cx="6677025" cy="3757613"/>
           </a:xfrm>
           <a:solidFill>
             <a:srgbClr val="729FCF"/>
@@ -6413,7 +6399,7 @@
         </p:nvSpPr>
         <p:spPr>
           <a:xfrm>
-            <a:off x="503999" y="1211759"/>
+            <a:off x="504492" y="1232079"/>
             <a:ext cx="9071640" cy="3288239"/>
           </a:xfrm>
         </p:spPr>
@@ -7387,7 +7373,7 @@
                 <a:latin typeface="Times New Roman" panose="02020603050405020304" pitchFamily="18" charset="0"/>
                 <a:cs typeface="Times New Roman" panose="02020603050405020304" pitchFamily="18" charset="0"/>
               </a:rPr>
-              <a:t>Примеры интерфейса</a:t>
+              <a:t>Пример интерфейса</a:t>
             </a:r>
           </a:p>
         </p:txBody>
@@ -8449,6 +8435,20 @@
               </a:rPr>
               <a:t>Функциональное тестирование</a:t>
             </a:r>
+            <a:r>
+              <a:rPr lang="en-US" sz="3200" dirty="0">
+                <a:latin typeface="Times New Roman" panose="02020603050405020304" pitchFamily="18" charset="0"/>
+                <a:cs typeface="Times New Roman" panose="02020603050405020304" pitchFamily="18" charset="0"/>
+              </a:rPr>
+              <a:t>, </a:t>
+            </a:r>
+            <a:r>
+              <a:rPr lang="ru-RU" sz="3200" dirty="0">
+                <a:latin typeface="Times New Roman" panose="02020603050405020304" pitchFamily="18" charset="0"/>
+                <a:cs typeface="Times New Roman" panose="02020603050405020304" pitchFamily="18" charset="0"/>
+              </a:rPr>
+              <a:t>часть 1</a:t>
+            </a:r>
             <a:endParaRPr lang="ru-RU" sz="3200" b="1" dirty="0">
               <a:latin typeface="Times New Roman" panose="02020603050405020304" pitchFamily="18" charset="0"/>
               <a:cs typeface="Times New Roman" panose="02020603050405020304" pitchFamily="18" charset="0"/>
@@ -8719,6 +8719,20 @@
               </a:rPr>
               <a:t>Функциональное тестирование</a:t>
             </a:r>
+            <a:r>
+              <a:rPr lang="en-US" sz="3200" dirty="0">
+                <a:latin typeface="Times New Roman" panose="02020603050405020304" pitchFamily="18" charset="0"/>
+                <a:cs typeface="Times New Roman" panose="02020603050405020304" pitchFamily="18" charset="0"/>
+              </a:rPr>
+              <a:t> , </a:t>
+            </a:r>
+            <a:r>
+              <a:rPr lang="ru-RU" sz="3200" dirty="0">
+                <a:latin typeface="Times New Roman" panose="02020603050405020304" pitchFamily="18" charset="0"/>
+                <a:cs typeface="Times New Roman" panose="02020603050405020304" pitchFamily="18" charset="0"/>
+              </a:rPr>
+              <a:t>часть 2</a:t>
+            </a:r>
             <a:endParaRPr lang="ru-RU" sz="3200" b="1" dirty="0">
               <a:latin typeface="Times New Roman" panose="02020603050405020304" pitchFamily="18" charset="0"/>
               <a:cs typeface="Times New Roman" panose="02020603050405020304" pitchFamily="18" charset="0"/>
@@ -9087,7 +9101,7 @@
               </a:spcAft>
             </a:pPr>
             <a:r>
-              <a:rPr lang="ru-RU" sz="3200">
+              <a:rPr lang="ru-RU" sz="3200" dirty="0">
                 <a:solidFill>
                   <a:sysClr val="windowText" lastClr="000000"/>
                 </a:solidFill>
@@ -9095,6 +9109,20 @@
                 <a:cs typeface="Times New Roman" panose="02020603050405020304" pitchFamily="18" charset="0"/>
               </a:rPr>
               <a:t>Функциональное тестирование</a:t>
+            </a:r>
+            <a:r>
+              <a:rPr lang="en-US" sz="3200" dirty="0">
+                <a:latin typeface="Times New Roman" panose="02020603050405020304" pitchFamily="18" charset="0"/>
+                <a:cs typeface="Times New Roman" panose="02020603050405020304" pitchFamily="18" charset="0"/>
+              </a:rPr>
+              <a:t>, </a:t>
+            </a:r>
+            <a:r>
+              <a:rPr lang="ru-RU" sz="3200" dirty="0">
+                <a:latin typeface="Times New Roman" panose="02020603050405020304" pitchFamily="18" charset="0"/>
+                <a:cs typeface="Times New Roman" panose="02020603050405020304" pitchFamily="18" charset="0"/>
+              </a:rPr>
+              <a:t>часть 3</a:t>
             </a:r>
             <a:endParaRPr lang="ru-RU" sz="3200" b="1" dirty="0">
               <a:solidFill>
@@ -9898,7 +9926,7 @@
               <a:buChar char="-"/>
             </a:pPr>
             <a:r>
-              <a:rPr lang="ru-RU" sz="1700" dirty="0">
+              <a:rPr lang="ru-RU" sz="1900" dirty="0">
                 <a:latin typeface="Times New Roman" panose="02020603050405020304" pitchFamily="18" charset="0"/>
                 <a:cs typeface="Times New Roman" panose="02020603050405020304" pitchFamily="18" charset="0"/>
               </a:rPr>
@@ -9912,20 +9940,20 @@
               <a:buChar char="-"/>
             </a:pPr>
             <a:r>
-              <a:rPr lang="ru-RU" sz="1700" dirty="0">
+              <a:rPr lang="ru-RU" sz="1900" dirty="0">
                 <a:latin typeface="Times New Roman" panose="02020603050405020304" pitchFamily="18" charset="0"/>
                 <a:cs typeface="Times New Roman" panose="02020603050405020304" pitchFamily="18" charset="0"/>
               </a:rPr>
               <a:t>проанализировать существующие модели представления объектов</a:t>
             </a:r>
             <a:r>
-              <a:rPr lang="en-US" sz="1700" dirty="0">
+              <a:rPr lang="en-US" sz="1900" dirty="0">
                 <a:latin typeface="Times New Roman" panose="02020603050405020304" pitchFamily="18" charset="0"/>
                 <a:cs typeface="Times New Roman" panose="02020603050405020304" pitchFamily="18" charset="0"/>
               </a:rPr>
               <a:t>;</a:t>
             </a:r>
-            <a:endParaRPr lang="ru-RU" sz="1700" dirty="0">
+            <a:endParaRPr lang="ru-RU" sz="1900" dirty="0">
               <a:latin typeface="Times New Roman" panose="02020603050405020304" pitchFamily="18" charset="0"/>
               <a:cs typeface="Times New Roman" panose="02020603050405020304" pitchFamily="18" charset="0"/>
             </a:endParaRPr>
@@ -9942,7 +9970,7 @@
                 <a:latin typeface="Times New Roman" panose="02020603050405020304" pitchFamily="18" charset="0"/>
                 <a:ea typeface="Times New Roman" panose="02020603050405020304" pitchFamily="18" charset="0"/>
               </a:rPr>
-              <a:t>проанализировать существующие алгоритмы компьютерной графики: построения объектов и теней, моделей закраски, освещения и построения теней</a:t>
+              <a:t>проанализировать существующие алгоритмы компьютерной графики: удаления невидимых линий и поверхностей, построения теней, закраски и освещения</a:t>
             </a:r>
             <a:r>
               <a:rPr lang="ru-RU" sz="1700" dirty="0">
@@ -10295,7 +10323,7 @@
               <p:nvPr>
                 <p:extLst>
                   <p:ext uri="{D42A27DB-BD31-4B8C-83A1-F6EECF244321}">
-                    <p14:modId xmlns:p14="http://schemas.microsoft.com/office/powerpoint/2010/main" val="1225582733"/>
+                    <p14:modId xmlns:p14="http://schemas.microsoft.com/office/powerpoint/2010/main" val="1033731078"/>
                   </p:ext>
                 </p:extLst>
               </p:nvPr>
@@ -10700,19 +10728,7 @@
                                   <a:rPr lang="en-US" b="0" i="1" smtClean="0">
                                     <a:latin typeface="Cambria Math" panose="02040503050406030204" pitchFamily="18" charset="0"/>
                                   </a:rPr>
-                                  <m:t>(</m:t>
-                                </m:r>
-                                <m:r>
-                                  <a:rPr lang="en-US" b="0" i="1" smtClean="0">
-                                    <a:latin typeface="Cambria Math" panose="02040503050406030204" pitchFamily="18" charset="0"/>
-                                  </a:rPr>
-                                  <m:t>𝐾</m:t>
-                                </m:r>
-                                <m:r>
-                                  <a:rPr lang="en-US" b="0" i="1" smtClean="0">
-                                    <a:latin typeface="Cambria Math" panose="02040503050406030204" pitchFamily="18" charset="0"/>
-                                  </a:rPr>
-                                  <m:t>)</m:t>
+                                  <m:t>(1)</m:t>
                                 </m:r>
                               </m:oMath>
                             </m:oMathPara>
@@ -11659,7 +11675,7 @@
               <p:nvPr>
                 <p:extLst>
                   <p:ext uri="{D42A27DB-BD31-4B8C-83A1-F6EECF244321}">
-                    <p14:modId xmlns:p14="http://schemas.microsoft.com/office/powerpoint/2010/main" val="1225582733"/>
+                    <p14:modId xmlns:p14="http://schemas.microsoft.com/office/powerpoint/2010/main" val="1033731078"/>
                   </p:ext>
                 </p:extLst>
               </p:nvPr>
@@ -12518,14 +12534,13 @@
               <a:t>число </a:t>
             </a:r>
             <a:r>
-              <a:rPr lang="ru-RU"/>
+              <a:rPr lang="ru-RU" dirty="0" err="1"/>
               <a:t>вокселей</a:t>
             </a:r>
             <a:r>
-              <a:rPr lang="en-US"/>
+              <a:rPr lang="en-US" dirty="0"/>
               <a:t>;</a:t>
             </a:r>
-            <a:endParaRPr lang="en-US" dirty="0"/>
           </a:p>
           <a:p>
             <a:r>
@@ -12534,7 +12549,7 @@
             </a:r>
             <a:r>
               <a:rPr lang="ru-RU" dirty="0"/>
-              <a:t>число смежных троек точек.</a:t>
+              <a:t>общее число ячеек.</a:t>
             </a:r>
             <a:endParaRPr lang="en-US" dirty="0"/>
           </a:p>
@@ -13927,8 +13942,8 @@
           </a:p>
         </p:txBody>
       </p:sp>
-      <mc:AlternateContent xmlns:mc="http://schemas.openxmlformats.org/markup-compatibility/2006" xmlns:a14="http://schemas.microsoft.com/office/drawing/2010/main">
-        <mc:Choice Requires="a14">
+      <mc:AlternateContent xmlns:mc="http://schemas.openxmlformats.org/markup-compatibility/2006">
+        <mc:Choice xmlns:a14="http://schemas.microsoft.com/office/drawing/2010/main" Requires="a14">
           <p:graphicFrame>
             <p:nvGraphicFramePr>
               <p:cNvPr id="3" name="Таблица 2">
@@ -13944,14 +13959,14 @@
               <p:nvPr>
                 <p:extLst>
                   <p:ext uri="{D42A27DB-BD31-4B8C-83A1-F6EECF244321}">
-                    <p14:modId xmlns:p14="http://schemas.microsoft.com/office/powerpoint/2010/main" val="4136901004"/>
+                    <p14:modId xmlns:p14="http://schemas.microsoft.com/office/powerpoint/2010/main" val="3251693849"/>
                   </p:ext>
                 </p:extLst>
               </p:nvPr>
             </p:nvGraphicFramePr>
             <p:xfrm>
-              <a:off x="370840" y="1999881"/>
-              <a:ext cx="8971280" cy="3474720"/>
+              <a:off x="370840" y="2187841"/>
+              <a:ext cx="8971280" cy="3108960"/>
             </p:xfrm>
             <a:graphic>
               <a:graphicData uri="http://schemas.openxmlformats.org/drawingml/2006/table">
@@ -14174,94 +14189,6 @@
                     <a:extLst>
                       <a:ext uri="{0D108BD9-81ED-4DB2-BD59-A6C34878D82A}">
                         <a16:rowId xmlns:a16="http://schemas.microsoft.com/office/drawing/2014/main" val="3996856868"/>
-                      </a:ext>
-                    </a:extLst>
-                  </a:tr>
-                  <a:tr h="156098">
-                    <a:tc>
-                      <a:txBody>
-                        <a:bodyPr/>
-                        <a:lstStyle/>
-                        <a:p>
-                          <a:r>
-                            <a:rPr lang="ru-RU" dirty="0"/>
-                            <a:t>Отсутствие необходимости сортировки</a:t>
-                          </a:r>
-                          <a:endParaRPr lang="en-US" dirty="0"/>
-                        </a:p>
-                      </a:txBody>
-                      <a:tcPr anchor="ctr"/>
-                    </a:tc>
-                    <a:tc>
-                      <a:txBody>
-                        <a:bodyPr/>
-                        <a:lstStyle/>
-                        <a:p>
-                          <a:pPr algn="ctr"/>
-                          <a:r>
-                            <a:rPr lang="ru-RU" dirty="0"/>
-                            <a:t>+</a:t>
-                          </a:r>
-                          <a:endParaRPr lang="en-US" dirty="0"/>
-                        </a:p>
-                      </a:txBody>
-                      <a:tcPr anchor="ctr"/>
-                    </a:tc>
-                    <a:tc>
-                      <a:txBody>
-                        <a:bodyPr/>
-                        <a:lstStyle/>
-                        <a:p>
-                          <a:pPr algn="ctr"/>
-                          <a:r>
-                            <a:rPr lang="ru-RU" dirty="0"/>
-                            <a:t>+</a:t>
-                          </a:r>
-                          <a:endParaRPr lang="en-US" dirty="0"/>
-                        </a:p>
-                      </a:txBody>
-                      <a:tcPr anchor="ctr"/>
-                    </a:tc>
-                    <a:tc>
-                      <a:txBody>
-                        <a:bodyPr/>
-                        <a:lstStyle/>
-                        <a:p>
-                          <a:pPr algn="ctr"/>
-                          <a:r>
-                            <a:rPr lang="ru-RU" dirty="0"/>
-                            <a:t>+</a:t>
-                          </a:r>
-                          <a:endParaRPr lang="en-US" dirty="0"/>
-                        </a:p>
-                      </a:txBody>
-                      <a:tcPr anchor="ctr"/>
-                    </a:tc>
-                    <a:tc>
-                      <a:txBody>
-                        <a:bodyPr/>
-                        <a:lstStyle/>
-                        <a:p>
-                          <a:pPr algn="ctr"/>
-                          <a:r>
-                            <a:rPr lang="ru-RU" dirty="0"/>
-                            <a:t>+</a:t>
-                          </a:r>
-                          <a:endParaRPr lang="en-US" dirty="0"/>
-                        </a:p>
-                      </a:txBody>
-                      <a:tcPr anchor="ctr">
-                        <a:solidFill>
-                          <a:schemeClr val="accent6">
-                            <a:lumMod val="60000"/>
-                            <a:lumOff val="40000"/>
-                          </a:schemeClr>
-                        </a:solidFill>
-                      </a:tcPr>
-                    </a:tc>
-                    <a:extLst>
-                      <a:ext uri="{0D108BD9-81ED-4DB2-BD59-A6C34878D82A}">
-                        <a16:rowId xmlns:a16="http://schemas.microsoft.com/office/drawing/2014/main" val="865183134"/>
                       </a:ext>
                     </a:extLst>
                   </a:tr>
@@ -14861,7 +14788,7 @@
             </a:graphic>
           </p:graphicFrame>
         </mc:Choice>
-        <mc:Fallback xmlns="">
+        <mc:Fallback>
           <p:graphicFrame>
             <p:nvGraphicFramePr>
               <p:cNvPr id="3" name="Таблица 2">
@@ -14877,14 +14804,14 @@
               <p:nvPr>
                 <p:extLst>
                   <p:ext uri="{D42A27DB-BD31-4B8C-83A1-F6EECF244321}">
-                    <p14:modId xmlns:p14="http://schemas.microsoft.com/office/powerpoint/2010/main" val="4136901004"/>
+                    <p14:modId xmlns:p14="http://schemas.microsoft.com/office/powerpoint/2010/main" val="3251693849"/>
                   </p:ext>
                 </p:extLst>
               </p:nvPr>
             </p:nvGraphicFramePr>
             <p:xfrm>
-              <a:off x="370840" y="1999881"/>
-              <a:ext cx="8971280" cy="3480880"/>
+              <a:off x="370840" y="2187841"/>
+              <a:ext cx="8971280" cy="3108960"/>
             </p:xfrm>
             <a:graphic>
               <a:graphicData uri="http://schemas.openxmlformats.org/drawingml/2006/table">
@@ -15107,94 +15034,6 @@
                     <a:extLst>
                       <a:ext uri="{0D108BD9-81ED-4DB2-BD59-A6C34878D82A}">
                         <a16:rowId xmlns:a16="http://schemas.microsoft.com/office/drawing/2014/main" val="3996856868"/>
-                      </a:ext>
-                    </a:extLst>
-                  </a:tr>
-                  <a:tr h="365760">
-                    <a:tc>
-                      <a:txBody>
-                        <a:bodyPr/>
-                        <a:lstStyle/>
-                        <a:p>
-                          <a:r>
-                            <a:rPr lang="ru-RU" dirty="0"/>
-                            <a:t>Отсутствие необходимости сортировки</a:t>
-                          </a:r>
-                          <a:endParaRPr lang="en-US" dirty="0"/>
-                        </a:p>
-                      </a:txBody>
-                      <a:tcPr anchor="ctr"/>
-                    </a:tc>
-                    <a:tc>
-                      <a:txBody>
-                        <a:bodyPr/>
-                        <a:lstStyle/>
-                        <a:p>
-                          <a:pPr algn="ctr"/>
-                          <a:r>
-                            <a:rPr lang="ru-RU" dirty="0"/>
-                            <a:t>+</a:t>
-                          </a:r>
-                          <a:endParaRPr lang="en-US" dirty="0"/>
-                        </a:p>
-                      </a:txBody>
-                      <a:tcPr anchor="ctr"/>
-                    </a:tc>
-                    <a:tc>
-                      <a:txBody>
-                        <a:bodyPr/>
-                        <a:lstStyle/>
-                        <a:p>
-                          <a:pPr algn="ctr"/>
-                          <a:r>
-                            <a:rPr lang="ru-RU" dirty="0"/>
-                            <a:t>+</a:t>
-                          </a:r>
-                          <a:endParaRPr lang="en-US" dirty="0"/>
-                        </a:p>
-                      </a:txBody>
-                      <a:tcPr anchor="ctr"/>
-                    </a:tc>
-                    <a:tc>
-                      <a:txBody>
-                        <a:bodyPr/>
-                        <a:lstStyle/>
-                        <a:p>
-                          <a:pPr algn="ctr"/>
-                          <a:r>
-                            <a:rPr lang="ru-RU" dirty="0"/>
-                            <a:t>+</a:t>
-                          </a:r>
-                          <a:endParaRPr lang="en-US" dirty="0"/>
-                        </a:p>
-                      </a:txBody>
-                      <a:tcPr anchor="ctr"/>
-                    </a:tc>
-                    <a:tc>
-                      <a:txBody>
-                        <a:bodyPr/>
-                        <a:lstStyle/>
-                        <a:p>
-                          <a:pPr algn="ctr"/>
-                          <a:r>
-                            <a:rPr lang="ru-RU" dirty="0"/>
-                            <a:t>+</a:t>
-                          </a:r>
-                          <a:endParaRPr lang="en-US" dirty="0"/>
-                        </a:p>
-                      </a:txBody>
-                      <a:tcPr anchor="ctr">
-                        <a:solidFill>
-                          <a:schemeClr val="accent6">
-                            <a:lumMod val="60000"/>
-                            <a:lumOff val="40000"/>
-                          </a:schemeClr>
-                        </a:solidFill>
-                      </a:tcPr>
-                    </a:tc>
-                    <a:extLst>
-                      <a:ext uri="{0D108BD9-81ED-4DB2-BD59-A6C34878D82A}">
-                        <a16:rowId xmlns:a16="http://schemas.microsoft.com/office/drawing/2014/main" val="865183134"/>
                       </a:ext>
                     </a:extLst>
                   </a:tr>
@@ -15550,7 +15389,7 @@
                       </a:ext>
                     </a:extLst>
                   </a:tr>
-                  <a:tr h="371920">
+                  <a:tr h="365760">
                     <a:tc>
                       <a:txBody>
                         <a:bodyPr/>
@@ -15577,7 +15416,7 @@
                         <a:blipFill>
                           <a:blip r:embed="rId3"/>
                           <a:stretch>
-                            <a:fillRect l="-709091" t="-845902" r="-410744" b="-24590"/>
+                            <a:fillRect l="-709091" t="-760000" r="-410744" b="-26667"/>
                           </a:stretch>
                         </a:blipFill>
                       </a:tcPr>
@@ -15594,7 +15433,7 @@
                         <a:blipFill>
                           <a:blip r:embed="rId3"/>
                           <a:stretch>
-                            <a:fillRect l="-608075" t="-845902" r="-208696" b="-24590"/>
+                            <a:fillRect l="-608075" t="-760000" r="-208696" b="-26667"/>
                           </a:stretch>
                         </a:blipFill>
                       </a:tcPr>
@@ -15611,7 +15450,7 @@
                         <a:blipFill>
                           <a:blip r:embed="rId3"/>
                           <a:stretch>
-                            <a:fillRect l="-674556" t="-845902" r="-98817" b="-24590"/>
+                            <a:fillRect l="-674556" t="-760000" r="-98817" b="-26667"/>
                           </a:stretch>
                         </a:blipFill>
                       </a:tcPr>
@@ -15628,7 +15467,7 @@
                         <a:blipFill>
                           <a:blip r:embed="rId3"/>
                           <a:stretch>
-                            <a:fillRect l="-793333" t="-845902" r="-1212" b="-24590"/>
+                            <a:fillRect l="-793333" t="-760000" r="-1212" b="-26667"/>
                           </a:stretch>
                         </a:blipFill>
                       </a:tcPr>
@@ -15943,10 +15782,10 @@
       </p:sp>
       <p:pic>
         <p:nvPicPr>
-          <p:cNvPr id="8" name="Рисунок 7">
-            <a:extLst>
-              <a:ext uri="{FF2B5EF4-FFF2-40B4-BE49-F238E27FC236}">
-                <a16:creationId xmlns:a16="http://schemas.microsoft.com/office/drawing/2014/main" id="{CDAD2A35-27C0-EE81-029D-4CD0828FEB19}"/>
+          <p:cNvPr id="5" name="Рисунок 4">
+            <a:extLst>
+              <a:ext uri="{FF2B5EF4-FFF2-40B4-BE49-F238E27FC236}">
+                <a16:creationId xmlns:a16="http://schemas.microsoft.com/office/drawing/2014/main" id="{E8CCD000-5696-4EC6-CD8C-4F3E943EDAC3}"/>
               </a:ext>
             </a:extLst>
           </p:cNvPr>
@@ -15969,8 +15808,8 @@
         </p:blipFill>
         <p:spPr>
           <a:xfrm>
-            <a:off x="1078733" y="1544320"/>
-            <a:ext cx="7922172" cy="2902418"/>
+            <a:off x="630999" y="1563778"/>
+            <a:ext cx="8705138" cy="3318102"/>
           </a:xfrm>
           <a:prstGeom prst="rect">
             <a:avLst/>

--- a/doc/CourseworkPresentation.pptx
+++ b/doc/CourseworkPresentation.pptx
@@ -141,7 +141,7 @@
   <pc:docChgLst>
     <pc:chgData name="никита могилин" userId="08ce3e31bc9375b9" providerId="LiveId" clId="{F3B2B6B8-7471-4ADA-BD24-63ECFD07BECC}"/>
     <pc:docChg chg="undo custSel addSld delSld modSld sldOrd modNotesMaster modHandout">
-      <pc:chgData name="никита могилин" userId="08ce3e31bc9375b9" providerId="LiveId" clId="{F3B2B6B8-7471-4ADA-BD24-63ECFD07BECC}" dt="2024-12-11T23:22:38.847" v="4272" actId="20577"/>
+      <pc:chgData name="никита могилин" userId="08ce3e31bc9375b9" providerId="LiveId" clId="{F3B2B6B8-7471-4ADA-BD24-63ECFD07BECC}" dt="2024-12-12T00:35:01.991" v="4284" actId="1076"/>
       <pc:docMkLst>
         <pc:docMk/>
       </pc:docMkLst>
@@ -484,7 +484,7 @@
         </pc:sldMkLst>
       </pc:sldChg>
       <pc:sldChg chg="addSp delSp modSp mod modNotes">
-        <pc:chgData name="никита могилин" userId="08ce3e31bc9375b9" providerId="LiveId" clId="{F3B2B6B8-7471-4ADA-BD24-63ECFD07BECC}" dt="2024-12-11T22:01:48.437" v="4251"/>
+        <pc:chgData name="никита могилин" userId="08ce3e31bc9375b9" providerId="LiveId" clId="{F3B2B6B8-7471-4ADA-BD24-63ECFD07BECC}" dt="2024-12-12T00:35:01.991" v="4284" actId="1076"/>
         <pc:sldMkLst>
           <pc:docMk/>
           <pc:sldMk cId="1494918856" sldId="271"/>
@@ -513,12 +513,28 @@
             <ac:picMk id="3" creationId="{9844DD88-9941-B80F-02EB-9FAD6EC2F581}"/>
           </ac:picMkLst>
         </pc:picChg>
-        <pc:picChg chg="add mod">
-          <ac:chgData name="никита могилин" userId="08ce3e31bc9375b9" providerId="LiveId" clId="{F3B2B6B8-7471-4ADA-BD24-63ECFD07BECC}" dt="2024-12-10T09:01:15.032" v="2145" actId="1076"/>
+        <pc:picChg chg="add del mod">
+          <ac:chgData name="никита могилин" userId="08ce3e31bc9375b9" providerId="LiveId" clId="{F3B2B6B8-7471-4ADA-BD24-63ECFD07BECC}" dt="2024-12-12T00:34:55.676" v="4279" actId="478"/>
+          <ac:picMkLst>
+            <pc:docMk/>
+            <pc:sldMk cId="1494918856" sldId="271"/>
+            <ac:picMk id="6" creationId="{EE6443EA-1F22-35B3-4AEE-AC0989F0E0CA}"/>
+          </ac:picMkLst>
+        </pc:picChg>
+        <pc:picChg chg="add del mod">
+          <ac:chgData name="никита могилин" userId="08ce3e31bc9375b9" providerId="LiveId" clId="{F3B2B6B8-7471-4ADA-BD24-63ECFD07BECC}" dt="2024-12-12T00:33:54.063" v="4275" actId="478"/>
           <ac:picMkLst>
             <pc:docMk/>
             <pc:sldMk cId="1494918856" sldId="271"/>
             <ac:picMk id="7" creationId="{066F8EAD-D7B7-9A62-B582-6B5CFB5A5786}"/>
+          </ac:picMkLst>
+        </pc:picChg>
+        <pc:picChg chg="add mod">
+          <ac:chgData name="никита могилин" userId="08ce3e31bc9375b9" providerId="LiveId" clId="{F3B2B6B8-7471-4ADA-BD24-63ECFD07BECC}" dt="2024-12-12T00:35:01.991" v="4284" actId="1076"/>
+          <ac:picMkLst>
+            <pc:docMk/>
+            <pc:sldMk cId="1494918856" sldId="271"/>
+            <ac:picMk id="9" creationId="{1F0380D0-A3E5-D8C3-09D0-2745040DF8E4}"/>
           </ac:picMkLst>
         </pc:picChg>
       </pc:sldChg>
@@ -7449,10 +7465,10 @@
       </p:sp>
       <p:pic>
         <p:nvPicPr>
-          <p:cNvPr id="7" name="Рисунок 6">
-            <a:extLst>
-              <a:ext uri="{FF2B5EF4-FFF2-40B4-BE49-F238E27FC236}">
-                <a16:creationId xmlns:a16="http://schemas.microsoft.com/office/drawing/2014/main" id="{066F8EAD-D7B7-9A62-B582-6B5CFB5A5786}"/>
+          <p:cNvPr id="9" name="Рисунок 8">
+            <a:extLst>
+              <a:ext uri="{FF2B5EF4-FFF2-40B4-BE49-F238E27FC236}">
+                <a16:creationId xmlns:a16="http://schemas.microsoft.com/office/drawing/2014/main" id="{1F0380D0-A3E5-D8C3-09D0-2745040DF8E4}"/>
               </a:ext>
             </a:extLst>
           </p:cNvPr>
@@ -7469,8 +7485,8 @@
         </p:blipFill>
         <p:spPr>
           <a:xfrm>
-            <a:off x="2163642" y="1118132"/>
-            <a:ext cx="6309798" cy="3618362"/>
+            <a:off x="2291200" y="1353362"/>
+            <a:ext cx="5498223" cy="3137652"/>
           </a:xfrm>
           <a:prstGeom prst="rect">
             <a:avLst/>
@@ -10306,8 +10322,8 @@
           </a:p>
         </p:txBody>
       </p:sp>
-      <mc:AlternateContent xmlns:mc="http://schemas.openxmlformats.org/markup-compatibility/2006">
-        <mc:Choice xmlns:a14="http://schemas.microsoft.com/office/drawing/2010/main" Requires="a14">
+      <mc:AlternateContent xmlns:mc="http://schemas.openxmlformats.org/markup-compatibility/2006" xmlns:a14="http://schemas.microsoft.com/office/drawing/2010/main">
+        <mc:Choice Requires="a14">
           <p:graphicFrame>
             <p:nvGraphicFramePr>
               <p:cNvPr id="4" name="Таблица 3">
@@ -11659,7 +11675,7 @@
             </a:graphic>
           </p:graphicFrame>
         </mc:Choice>
-        <mc:Fallback>
+        <mc:Fallback xmlns="">
           <p:graphicFrame>
             <p:nvGraphicFramePr>
               <p:cNvPr id="4" name="Таблица 3">
@@ -13942,8 +13958,8 @@
           </a:p>
         </p:txBody>
       </p:sp>
-      <mc:AlternateContent xmlns:mc="http://schemas.openxmlformats.org/markup-compatibility/2006">
-        <mc:Choice xmlns:a14="http://schemas.microsoft.com/office/drawing/2010/main" Requires="a14">
+      <mc:AlternateContent xmlns:mc="http://schemas.openxmlformats.org/markup-compatibility/2006" xmlns:a14="http://schemas.microsoft.com/office/drawing/2010/main">
+        <mc:Choice Requires="a14">
           <p:graphicFrame>
             <p:nvGraphicFramePr>
               <p:cNvPr id="3" name="Таблица 2">
@@ -14788,7 +14804,7 @@
             </a:graphic>
           </p:graphicFrame>
         </mc:Choice>
-        <mc:Fallback>
+        <mc:Fallback xmlns="">
           <p:graphicFrame>
             <p:nvGraphicFramePr>
               <p:cNvPr id="3" name="Таблица 2">
